--- a/Semester II/Masterproef/presentatie/masterproef.pptx
+++ b/Semester II/Masterproef/presentatie/masterproef.pptx
@@ -262,7 +262,7 @@
           <a:p>
             <a:fld id="{3C1FBD69-EDDB-4129-B5D9-AB83034965BC}" type="datetimeFigureOut">
               <a:rPr lang="en-US" smtClean="0"/>
-              <a:t>6/28/2019</a:t>
+              <a:t>7/1/2019</a:t>
             </a:fld>
             <a:endParaRPr lang="en-US"/>
           </a:p>
@@ -460,7 +460,7 @@
           <a:p>
             <a:fld id="{3C1FBD69-EDDB-4129-B5D9-AB83034965BC}" type="datetimeFigureOut">
               <a:rPr lang="en-US" smtClean="0"/>
-              <a:t>6/28/2019</a:t>
+              <a:t>7/1/2019</a:t>
             </a:fld>
             <a:endParaRPr lang="en-US"/>
           </a:p>
@@ -668,7 +668,7 @@
           <a:p>
             <a:fld id="{3C1FBD69-EDDB-4129-B5D9-AB83034965BC}" type="datetimeFigureOut">
               <a:rPr lang="en-US" smtClean="0"/>
-              <a:t>6/28/2019</a:t>
+              <a:t>7/1/2019</a:t>
             </a:fld>
             <a:endParaRPr lang="en-US"/>
           </a:p>
@@ -866,7 +866,7 @@
           <a:p>
             <a:fld id="{3C1FBD69-EDDB-4129-B5D9-AB83034965BC}" type="datetimeFigureOut">
               <a:rPr lang="en-US" smtClean="0"/>
-              <a:t>6/28/2019</a:t>
+              <a:t>7/1/2019</a:t>
             </a:fld>
             <a:endParaRPr lang="en-US"/>
           </a:p>
@@ -1141,7 +1141,7 @@
           <a:p>
             <a:fld id="{3C1FBD69-EDDB-4129-B5D9-AB83034965BC}" type="datetimeFigureOut">
               <a:rPr lang="en-US" smtClean="0"/>
-              <a:t>6/28/2019</a:t>
+              <a:t>7/1/2019</a:t>
             </a:fld>
             <a:endParaRPr lang="en-US"/>
           </a:p>
@@ -1406,7 +1406,7 @@
           <a:p>
             <a:fld id="{3C1FBD69-EDDB-4129-B5D9-AB83034965BC}" type="datetimeFigureOut">
               <a:rPr lang="en-US" smtClean="0"/>
-              <a:t>6/28/2019</a:t>
+              <a:t>7/1/2019</a:t>
             </a:fld>
             <a:endParaRPr lang="en-US"/>
           </a:p>
@@ -1818,7 +1818,7 @@
           <a:p>
             <a:fld id="{3C1FBD69-EDDB-4129-B5D9-AB83034965BC}" type="datetimeFigureOut">
               <a:rPr lang="en-US" smtClean="0"/>
-              <a:t>6/28/2019</a:t>
+              <a:t>7/1/2019</a:t>
             </a:fld>
             <a:endParaRPr lang="en-US"/>
           </a:p>
@@ -1959,7 +1959,7 @@
           <a:p>
             <a:fld id="{3C1FBD69-EDDB-4129-B5D9-AB83034965BC}" type="datetimeFigureOut">
               <a:rPr lang="en-US" smtClean="0"/>
-              <a:t>6/28/2019</a:t>
+              <a:t>7/1/2019</a:t>
             </a:fld>
             <a:endParaRPr lang="en-US"/>
           </a:p>
@@ -2072,7 +2072,7 @@
           <a:p>
             <a:fld id="{3C1FBD69-EDDB-4129-B5D9-AB83034965BC}" type="datetimeFigureOut">
               <a:rPr lang="en-US" smtClean="0"/>
-              <a:t>6/28/2019</a:t>
+              <a:t>7/1/2019</a:t>
             </a:fld>
             <a:endParaRPr lang="en-US"/>
           </a:p>
@@ -2383,7 +2383,7 @@
           <a:p>
             <a:fld id="{3C1FBD69-EDDB-4129-B5D9-AB83034965BC}" type="datetimeFigureOut">
               <a:rPr lang="en-US" smtClean="0"/>
-              <a:t>6/28/2019</a:t>
+              <a:t>7/1/2019</a:t>
             </a:fld>
             <a:endParaRPr lang="en-US"/>
           </a:p>
@@ -2671,7 +2671,7 @@
           <a:p>
             <a:fld id="{3C1FBD69-EDDB-4129-B5D9-AB83034965BC}" type="datetimeFigureOut">
               <a:rPr lang="en-US" smtClean="0"/>
-              <a:t>6/28/2019</a:t>
+              <a:t>7/1/2019</a:t>
             </a:fld>
             <a:endParaRPr lang="en-US"/>
           </a:p>
@@ -2912,7 +2912,7 @@
           <a:p>
             <a:fld id="{3C1FBD69-EDDB-4129-B5D9-AB83034965BC}" type="datetimeFigureOut">
               <a:rPr lang="en-US" smtClean="0"/>
-              <a:t>6/28/2019</a:t>
+              <a:t>7/1/2019</a:t>
             </a:fld>
             <a:endParaRPr lang="en-US"/>
           </a:p>
@@ -3816,8 +3816,61 @@
             <a:pPr lvl="1"/>
             <a:r>
               <a:rPr lang="en-US" dirty="0"/>
-              <a:t>?</a:t>
-            </a:r>
+              <a:t>In </a:t>
+            </a:r>
+            <a:r>
+              <a:rPr lang="en-US" dirty="0" err="1"/>
+              <a:t>plaats</a:t>
+            </a:r>
+            <a:r>
+              <a:rPr lang="en-US" dirty="0"/>
+              <a:t> van de </a:t>
+            </a:r>
+            <a:r>
+              <a:rPr lang="en-US" dirty="0" err="1"/>
+              <a:t>pixelposities</a:t>
+            </a:r>
+            <a:r>
+              <a:rPr lang="en-US" dirty="0"/>
+              <a:t> </a:t>
+            </a:r>
+            <a:r>
+              <a:rPr lang="en-US" dirty="0" err="1"/>
+              <a:t>te</a:t>
+            </a:r>
+            <a:r>
+              <a:rPr lang="en-US" dirty="0"/>
+              <a:t> </a:t>
+            </a:r>
+            <a:r>
+              <a:rPr lang="en-US" dirty="0" err="1"/>
+              <a:t>gebruiken</a:t>
+            </a:r>
+            <a:r>
+              <a:rPr lang="en-US" dirty="0"/>
+              <a:t>, </a:t>
+            </a:r>
+            <a:r>
+              <a:rPr lang="en-US" dirty="0" err="1"/>
+              <a:t>wordt</a:t>
+            </a:r>
+            <a:r>
+              <a:rPr lang="en-US" dirty="0"/>
+              <a:t> nu de </a:t>
+            </a:r>
+            <a:r>
+              <a:rPr lang="en-US" dirty="0" err="1"/>
+              <a:t>afstand</a:t>
+            </a:r>
+            <a:r>
+              <a:rPr lang="en-US" dirty="0"/>
+              <a:t> in meters </a:t>
+            </a:r>
+            <a:r>
+              <a:rPr lang="en-US"/>
+              <a:t>gebruikt</a:t>
+            </a:r>
+            <a:endParaRPr lang="en-US" dirty="0"/>
           </a:p>
         </p:txBody>
       </p:sp>

--- a/Semester II/Masterproef/presentatie/masterproef.pptx
+++ b/Semester II/Masterproef/presentatie/masterproef.pptx
@@ -4,11 +4,15 @@
   <p:sldMasterIdLst>
     <p:sldMasterId id="2147483648" r:id="rId1"/>
   </p:sldMasterIdLst>
+  <p:notesMasterIdLst>
+    <p:notesMasterId r:id="rId7"/>
+  </p:notesMasterIdLst>
   <p:sldIdLst>
     <p:sldId id="256" r:id="rId2"/>
     <p:sldId id="257" r:id="rId3"/>
     <p:sldId id="258" r:id="rId4"/>
     <p:sldId id="259" r:id="rId5"/>
+    <p:sldId id="260" r:id="rId6"/>
   </p:sldIdLst>
   <p:sldSz cx="12192000" cy="6858000"/>
   <p:notesSz cx="6858000" cy="9144000"/>
@@ -115,6 +119,439 @@
 </p:presentation>
 </file>
 
+<file path=ppt/notesMasters/notesMaster1.xml><?xml version="1.0" encoding="utf-8"?>
+<p:notesMaster xmlns:a="http://schemas.openxmlformats.org/drawingml/2006/main" xmlns:r="http://schemas.openxmlformats.org/officeDocument/2006/relationships" xmlns:p="http://schemas.openxmlformats.org/presentationml/2006/main">
+  <p:cSld>
+    <p:bg>
+      <p:bgRef idx="1001">
+        <a:schemeClr val="bg1"/>
+      </p:bgRef>
+    </p:bg>
+    <p:spTree>
+      <p:nvGrpSpPr>
+        <p:cNvPr id="1" name=""/>
+        <p:cNvGrpSpPr/>
+        <p:nvPr/>
+      </p:nvGrpSpPr>
+      <p:grpSpPr>
+        <a:xfrm>
+          <a:off x="0" y="0"/>
+          <a:ext cx="0" cy="0"/>
+          <a:chOff x="0" y="0"/>
+          <a:chExt cx="0" cy="0"/>
+        </a:xfrm>
+      </p:grpSpPr>
+      <p:sp>
+        <p:nvSpPr>
+          <p:cNvPr id="2" name="Header Placeholder 1"/>
+          <p:cNvSpPr>
+            <a:spLocks noGrp="1"/>
+          </p:cNvSpPr>
+          <p:nvPr>
+            <p:ph type="hdr" sz="quarter"/>
+          </p:nvPr>
+        </p:nvSpPr>
+        <p:spPr>
+          <a:xfrm>
+            <a:off x="0" y="0"/>
+            <a:ext cx="2971800" cy="458788"/>
+          </a:xfrm>
+          <a:prstGeom prst="rect">
+            <a:avLst/>
+          </a:prstGeom>
+        </p:spPr>
+        <p:txBody>
+          <a:bodyPr vert="horz" lIns="91440" tIns="45720" rIns="91440" bIns="45720" rtlCol="0"/>
+          <a:lstStyle>
+            <a:lvl1pPr algn="l">
+              <a:defRPr sz="1200"/>
+            </a:lvl1pPr>
+          </a:lstStyle>
+          <a:p>
+            <a:endParaRPr lang="en-US"/>
+          </a:p>
+        </p:txBody>
+      </p:sp>
+      <p:sp>
+        <p:nvSpPr>
+          <p:cNvPr id="3" name="Date Placeholder 2"/>
+          <p:cNvSpPr>
+            <a:spLocks noGrp="1"/>
+          </p:cNvSpPr>
+          <p:nvPr>
+            <p:ph type="dt" idx="1"/>
+          </p:nvPr>
+        </p:nvSpPr>
+        <p:spPr>
+          <a:xfrm>
+            <a:off x="3884613" y="0"/>
+            <a:ext cx="2971800" cy="458788"/>
+          </a:xfrm>
+          <a:prstGeom prst="rect">
+            <a:avLst/>
+          </a:prstGeom>
+        </p:spPr>
+        <p:txBody>
+          <a:bodyPr vert="horz" lIns="91440" tIns="45720" rIns="91440" bIns="45720" rtlCol="0"/>
+          <a:lstStyle>
+            <a:lvl1pPr algn="r">
+              <a:defRPr sz="1200"/>
+            </a:lvl1pPr>
+          </a:lstStyle>
+          <a:p>
+            <a:fld id="{9680C15C-8183-49BA-AFE4-46F597A70BBD}" type="datetimeFigureOut">
+              <a:rPr lang="en-US" smtClean="0"/>
+              <a:t>7/4/2019</a:t>
+            </a:fld>
+            <a:endParaRPr lang="en-US"/>
+          </a:p>
+        </p:txBody>
+      </p:sp>
+      <p:sp>
+        <p:nvSpPr>
+          <p:cNvPr id="4" name="Slide Image Placeholder 3"/>
+          <p:cNvSpPr>
+            <a:spLocks noGrp="1" noRot="1" noChangeAspect="1"/>
+          </p:cNvSpPr>
+          <p:nvPr>
+            <p:ph type="sldImg" idx="2"/>
+          </p:nvPr>
+        </p:nvSpPr>
+        <p:spPr>
+          <a:xfrm>
+            <a:off x="685800" y="1143000"/>
+            <a:ext cx="5486400" cy="3086100"/>
+          </a:xfrm>
+          <a:prstGeom prst="rect">
+            <a:avLst/>
+          </a:prstGeom>
+          <a:noFill/>
+          <a:ln w="12700">
+            <a:solidFill>
+              <a:prstClr val="black"/>
+            </a:solidFill>
+          </a:ln>
+        </p:spPr>
+        <p:txBody>
+          <a:bodyPr vert="horz" lIns="91440" tIns="45720" rIns="91440" bIns="45720" rtlCol="0" anchor="ctr"/>
+          <a:lstStyle/>
+          <a:p>
+            <a:endParaRPr lang="en-US"/>
+          </a:p>
+        </p:txBody>
+      </p:sp>
+      <p:sp>
+        <p:nvSpPr>
+          <p:cNvPr id="5" name="Notes Placeholder 4"/>
+          <p:cNvSpPr>
+            <a:spLocks noGrp="1"/>
+          </p:cNvSpPr>
+          <p:nvPr>
+            <p:ph type="body" sz="quarter" idx="3"/>
+          </p:nvPr>
+        </p:nvSpPr>
+        <p:spPr>
+          <a:xfrm>
+            <a:off x="685800" y="4400550"/>
+            <a:ext cx="5486400" cy="3600450"/>
+          </a:xfrm>
+          <a:prstGeom prst="rect">
+            <a:avLst/>
+          </a:prstGeom>
+        </p:spPr>
+        <p:txBody>
+          <a:bodyPr vert="horz" lIns="91440" tIns="45720" rIns="91440" bIns="45720" rtlCol="0"/>
+          <a:lstStyle/>
+          <a:p>
+            <a:pPr lvl="0"/>
+            <a:r>
+              <a:rPr lang="en-US"/>
+              <a:t>Click to edit Master text styles</a:t>
+            </a:r>
+          </a:p>
+          <a:p>
+            <a:pPr lvl="1"/>
+            <a:r>
+              <a:rPr lang="en-US"/>
+              <a:t>Second level</a:t>
+            </a:r>
+          </a:p>
+          <a:p>
+            <a:pPr lvl="2"/>
+            <a:r>
+              <a:rPr lang="en-US"/>
+              <a:t>Third level</a:t>
+            </a:r>
+          </a:p>
+          <a:p>
+            <a:pPr lvl="3"/>
+            <a:r>
+              <a:rPr lang="en-US"/>
+              <a:t>Fourth level</a:t>
+            </a:r>
+          </a:p>
+          <a:p>
+            <a:pPr lvl="4"/>
+            <a:r>
+              <a:rPr lang="en-US"/>
+              <a:t>Fifth level</a:t>
+            </a:r>
+          </a:p>
+        </p:txBody>
+      </p:sp>
+      <p:sp>
+        <p:nvSpPr>
+          <p:cNvPr id="6" name="Footer Placeholder 5"/>
+          <p:cNvSpPr>
+            <a:spLocks noGrp="1"/>
+          </p:cNvSpPr>
+          <p:nvPr>
+            <p:ph type="ftr" sz="quarter" idx="4"/>
+          </p:nvPr>
+        </p:nvSpPr>
+        <p:spPr>
+          <a:xfrm>
+            <a:off x="0" y="8685213"/>
+            <a:ext cx="2971800" cy="458787"/>
+          </a:xfrm>
+          <a:prstGeom prst="rect">
+            <a:avLst/>
+          </a:prstGeom>
+        </p:spPr>
+        <p:txBody>
+          <a:bodyPr vert="horz" lIns="91440" tIns="45720" rIns="91440" bIns="45720" rtlCol="0" anchor="b"/>
+          <a:lstStyle>
+            <a:lvl1pPr algn="l">
+              <a:defRPr sz="1200"/>
+            </a:lvl1pPr>
+          </a:lstStyle>
+          <a:p>
+            <a:endParaRPr lang="en-US"/>
+          </a:p>
+        </p:txBody>
+      </p:sp>
+      <p:sp>
+        <p:nvSpPr>
+          <p:cNvPr id="7" name="Slide Number Placeholder 6"/>
+          <p:cNvSpPr>
+            <a:spLocks noGrp="1"/>
+          </p:cNvSpPr>
+          <p:nvPr>
+            <p:ph type="sldNum" sz="quarter" idx="5"/>
+          </p:nvPr>
+        </p:nvSpPr>
+        <p:spPr>
+          <a:xfrm>
+            <a:off x="3884613" y="8685213"/>
+            <a:ext cx="2971800" cy="458787"/>
+          </a:xfrm>
+          <a:prstGeom prst="rect">
+            <a:avLst/>
+          </a:prstGeom>
+        </p:spPr>
+        <p:txBody>
+          <a:bodyPr vert="horz" lIns="91440" tIns="45720" rIns="91440" bIns="45720" rtlCol="0" anchor="b"/>
+          <a:lstStyle>
+            <a:lvl1pPr algn="r">
+              <a:defRPr sz="1200"/>
+            </a:lvl1pPr>
+          </a:lstStyle>
+          <a:p>
+            <a:fld id="{84C0A99F-2131-4BDC-AF55-3442C8E87B6B}" type="slidenum">
+              <a:rPr lang="en-US" smtClean="0"/>
+              <a:t>‹#›</a:t>
+            </a:fld>
+            <a:endParaRPr lang="en-US"/>
+          </a:p>
+        </p:txBody>
+      </p:sp>
+    </p:spTree>
+    <p:extLst>
+      <p:ext uri="{BB962C8B-B14F-4D97-AF65-F5344CB8AC3E}">
+        <p14:creationId xmlns:p14="http://schemas.microsoft.com/office/powerpoint/2010/main" val="3666286708"/>
+      </p:ext>
+    </p:extLst>
+  </p:cSld>
+  <p:clrMap bg1="lt1" tx1="dk1" bg2="lt2" tx2="dk2" accent1="accent1" accent2="accent2" accent3="accent3" accent4="accent4" accent5="accent5" accent6="accent6" hlink="hlink" folHlink="folHlink"/>
+  <p:notesStyle>
+    <a:lvl1pPr marL="0" algn="l" defTabSz="914400" rtl="0" eaLnBrk="1" latinLnBrk="0" hangingPunct="1">
+      <a:defRPr sz="1200" kern="1200">
+        <a:solidFill>
+          <a:schemeClr val="tx1"/>
+        </a:solidFill>
+        <a:latin typeface="+mn-lt"/>
+        <a:ea typeface="+mn-ea"/>
+        <a:cs typeface="+mn-cs"/>
+      </a:defRPr>
+    </a:lvl1pPr>
+    <a:lvl2pPr marL="457200" algn="l" defTabSz="914400" rtl="0" eaLnBrk="1" latinLnBrk="0" hangingPunct="1">
+      <a:defRPr sz="1200" kern="1200">
+        <a:solidFill>
+          <a:schemeClr val="tx1"/>
+        </a:solidFill>
+        <a:latin typeface="+mn-lt"/>
+        <a:ea typeface="+mn-ea"/>
+        <a:cs typeface="+mn-cs"/>
+      </a:defRPr>
+    </a:lvl2pPr>
+    <a:lvl3pPr marL="914400" algn="l" defTabSz="914400" rtl="0" eaLnBrk="1" latinLnBrk="0" hangingPunct="1">
+      <a:defRPr sz="1200" kern="1200">
+        <a:solidFill>
+          <a:schemeClr val="tx1"/>
+        </a:solidFill>
+        <a:latin typeface="+mn-lt"/>
+        <a:ea typeface="+mn-ea"/>
+        <a:cs typeface="+mn-cs"/>
+      </a:defRPr>
+    </a:lvl3pPr>
+    <a:lvl4pPr marL="1371600" algn="l" defTabSz="914400" rtl="0" eaLnBrk="1" latinLnBrk="0" hangingPunct="1">
+      <a:defRPr sz="1200" kern="1200">
+        <a:solidFill>
+          <a:schemeClr val="tx1"/>
+        </a:solidFill>
+        <a:latin typeface="+mn-lt"/>
+        <a:ea typeface="+mn-ea"/>
+        <a:cs typeface="+mn-cs"/>
+      </a:defRPr>
+    </a:lvl4pPr>
+    <a:lvl5pPr marL="1828800" algn="l" defTabSz="914400" rtl="0" eaLnBrk="1" latinLnBrk="0" hangingPunct="1">
+      <a:defRPr sz="1200" kern="1200">
+        <a:solidFill>
+          <a:schemeClr val="tx1"/>
+        </a:solidFill>
+        <a:latin typeface="+mn-lt"/>
+        <a:ea typeface="+mn-ea"/>
+        <a:cs typeface="+mn-cs"/>
+      </a:defRPr>
+    </a:lvl5pPr>
+    <a:lvl6pPr marL="2286000" algn="l" defTabSz="914400" rtl="0" eaLnBrk="1" latinLnBrk="0" hangingPunct="1">
+      <a:defRPr sz="1200" kern="1200">
+        <a:solidFill>
+          <a:schemeClr val="tx1"/>
+        </a:solidFill>
+        <a:latin typeface="+mn-lt"/>
+        <a:ea typeface="+mn-ea"/>
+        <a:cs typeface="+mn-cs"/>
+      </a:defRPr>
+    </a:lvl6pPr>
+    <a:lvl7pPr marL="2743200" algn="l" defTabSz="914400" rtl="0" eaLnBrk="1" latinLnBrk="0" hangingPunct="1">
+      <a:defRPr sz="1200" kern="1200">
+        <a:solidFill>
+          <a:schemeClr val="tx1"/>
+        </a:solidFill>
+        <a:latin typeface="+mn-lt"/>
+        <a:ea typeface="+mn-ea"/>
+        <a:cs typeface="+mn-cs"/>
+      </a:defRPr>
+    </a:lvl7pPr>
+    <a:lvl8pPr marL="3200400" algn="l" defTabSz="914400" rtl="0" eaLnBrk="1" latinLnBrk="0" hangingPunct="1">
+      <a:defRPr sz="1200" kern="1200">
+        <a:solidFill>
+          <a:schemeClr val="tx1"/>
+        </a:solidFill>
+        <a:latin typeface="+mn-lt"/>
+        <a:ea typeface="+mn-ea"/>
+        <a:cs typeface="+mn-cs"/>
+      </a:defRPr>
+    </a:lvl8pPr>
+    <a:lvl9pPr marL="3657600" algn="l" defTabSz="914400" rtl="0" eaLnBrk="1" latinLnBrk="0" hangingPunct="1">
+      <a:defRPr sz="1200" kern="1200">
+        <a:solidFill>
+          <a:schemeClr val="tx1"/>
+        </a:solidFill>
+        <a:latin typeface="+mn-lt"/>
+        <a:ea typeface="+mn-ea"/>
+        <a:cs typeface="+mn-cs"/>
+      </a:defRPr>
+    </a:lvl9pPr>
+  </p:notesStyle>
+</p:notesMaster>
+</file>
+
+<file path=ppt/notesSlides/notesSlide1.xml><?xml version="1.0" encoding="utf-8"?>
+<p:notes xmlns:a="http://schemas.openxmlformats.org/drawingml/2006/main" xmlns:r="http://schemas.openxmlformats.org/officeDocument/2006/relationships" xmlns:p="http://schemas.openxmlformats.org/presentationml/2006/main">
+  <p:cSld>
+    <p:spTree>
+      <p:nvGrpSpPr>
+        <p:cNvPr id="1" name=""/>
+        <p:cNvGrpSpPr/>
+        <p:nvPr/>
+      </p:nvGrpSpPr>
+      <p:grpSpPr>
+        <a:xfrm>
+          <a:off x="0" y="0"/>
+          <a:ext cx="0" cy="0"/>
+          <a:chOff x="0" y="0"/>
+          <a:chExt cx="0" cy="0"/>
+        </a:xfrm>
+      </p:grpSpPr>
+      <p:sp>
+        <p:nvSpPr>
+          <p:cNvPr id="2" name="Slide Image Placeholder 1"/>
+          <p:cNvSpPr>
+            <a:spLocks noGrp="1" noRot="1" noChangeAspect="1"/>
+          </p:cNvSpPr>
+          <p:nvPr>
+            <p:ph type="sldImg"/>
+          </p:nvPr>
+        </p:nvSpPr>
+        <p:spPr/>
+      </p:sp>
+      <p:sp>
+        <p:nvSpPr>
+          <p:cNvPr id="3" name="Notes Placeholder 2"/>
+          <p:cNvSpPr>
+            <a:spLocks noGrp="1"/>
+          </p:cNvSpPr>
+          <p:nvPr>
+            <p:ph type="body" idx="1"/>
+          </p:nvPr>
+        </p:nvSpPr>
+        <p:spPr/>
+        <p:txBody>
+          <a:bodyPr/>
+          <a:lstStyle/>
+          <a:p>
+            <a:endParaRPr lang="en-US" dirty="0"/>
+          </a:p>
+        </p:txBody>
+      </p:sp>
+      <p:sp>
+        <p:nvSpPr>
+          <p:cNvPr id="4" name="Slide Number Placeholder 3"/>
+          <p:cNvSpPr>
+            <a:spLocks noGrp="1"/>
+          </p:cNvSpPr>
+          <p:nvPr>
+            <p:ph type="sldNum" sz="quarter" idx="5"/>
+          </p:nvPr>
+        </p:nvSpPr>
+        <p:spPr/>
+        <p:txBody>
+          <a:bodyPr/>
+          <a:lstStyle/>
+          <a:p>
+            <a:fld id="{84C0A99F-2131-4BDC-AF55-3442C8E87B6B}" type="slidenum">
+              <a:rPr lang="en-US" smtClean="0"/>
+              <a:t>4</a:t>
+            </a:fld>
+            <a:endParaRPr lang="en-US"/>
+          </a:p>
+        </p:txBody>
+      </p:sp>
+    </p:spTree>
+    <p:extLst>
+      <p:ext uri="{BB962C8B-B14F-4D97-AF65-F5344CB8AC3E}">
+        <p14:creationId xmlns:p14="http://schemas.microsoft.com/office/powerpoint/2010/main" val="572931487"/>
+      </p:ext>
+    </p:extLst>
+  </p:cSld>
+  <p:clrMapOvr>
+    <a:masterClrMapping/>
+  </p:clrMapOvr>
+</p:notes>
+</file>
+
 <file path=ppt/slideLayouts/slideLayout1.xml><?xml version="1.0" encoding="utf-8"?>
 <p:sldLayout xmlns:a="http://schemas.openxmlformats.org/drawingml/2006/main" xmlns:r="http://schemas.openxmlformats.org/officeDocument/2006/relationships" xmlns:p="http://schemas.openxmlformats.org/presentationml/2006/main" type="title" preserve="1">
   <p:cSld name="Title Slide">
@@ -262,7 +699,7 @@
           <a:p>
             <a:fld id="{3C1FBD69-EDDB-4129-B5D9-AB83034965BC}" type="datetimeFigureOut">
               <a:rPr lang="en-US" smtClean="0"/>
-              <a:t>7/1/2019</a:t>
+              <a:t>7/4/2019</a:t>
             </a:fld>
             <a:endParaRPr lang="en-US"/>
           </a:p>
@@ -460,7 +897,7 @@
           <a:p>
             <a:fld id="{3C1FBD69-EDDB-4129-B5D9-AB83034965BC}" type="datetimeFigureOut">
               <a:rPr lang="en-US" smtClean="0"/>
-              <a:t>7/1/2019</a:t>
+              <a:t>7/4/2019</a:t>
             </a:fld>
             <a:endParaRPr lang="en-US"/>
           </a:p>
@@ -668,7 +1105,7 @@
           <a:p>
             <a:fld id="{3C1FBD69-EDDB-4129-B5D9-AB83034965BC}" type="datetimeFigureOut">
               <a:rPr lang="en-US" smtClean="0"/>
-              <a:t>7/1/2019</a:t>
+              <a:t>7/4/2019</a:t>
             </a:fld>
             <a:endParaRPr lang="en-US"/>
           </a:p>
@@ -866,7 +1303,7 @@
           <a:p>
             <a:fld id="{3C1FBD69-EDDB-4129-B5D9-AB83034965BC}" type="datetimeFigureOut">
               <a:rPr lang="en-US" smtClean="0"/>
-              <a:t>7/1/2019</a:t>
+              <a:t>7/4/2019</a:t>
             </a:fld>
             <a:endParaRPr lang="en-US"/>
           </a:p>
@@ -1141,7 +1578,7 @@
           <a:p>
             <a:fld id="{3C1FBD69-EDDB-4129-B5D9-AB83034965BC}" type="datetimeFigureOut">
               <a:rPr lang="en-US" smtClean="0"/>
-              <a:t>7/1/2019</a:t>
+              <a:t>7/4/2019</a:t>
             </a:fld>
             <a:endParaRPr lang="en-US"/>
           </a:p>
@@ -1406,7 +1843,7 @@
           <a:p>
             <a:fld id="{3C1FBD69-EDDB-4129-B5D9-AB83034965BC}" type="datetimeFigureOut">
               <a:rPr lang="en-US" smtClean="0"/>
-              <a:t>7/1/2019</a:t>
+              <a:t>7/4/2019</a:t>
             </a:fld>
             <a:endParaRPr lang="en-US"/>
           </a:p>
@@ -1818,7 +2255,7 @@
           <a:p>
             <a:fld id="{3C1FBD69-EDDB-4129-B5D9-AB83034965BC}" type="datetimeFigureOut">
               <a:rPr lang="en-US" smtClean="0"/>
-              <a:t>7/1/2019</a:t>
+              <a:t>7/4/2019</a:t>
             </a:fld>
             <a:endParaRPr lang="en-US"/>
           </a:p>
@@ -1959,7 +2396,7 @@
           <a:p>
             <a:fld id="{3C1FBD69-EDDB-4129-B5D9-AB83034965BC}" type="datetimeFigureOut">
               <a:rPr lang="en-US" smtClean="0"/>
-              <a:t>7/1/2019</a:t>
+              <a:t>7/4/2019</a:t>
             </a:fld>
             <a:endParaRPr lang="en-US"/>
           </a:p>
@@ -2072,7 +2509,7 @@
           <a:p>
             <a:fld id="{3C1FBD69-EDDB-4129-B5D9-AB83034965BC}" type="datetimeFigureOut">
               <a:rPr lang="en-US" smtClean="0"/>
-              <a:t>7/1/2019</a:t>
+              <a:t>7/4/2019</a:t>
             </a:fld>
             <a:endParaRPr lang="en-US"/>
           </a:p>
@@ -2383,7 +2820,7 @@
           <a:p>
             <a:fld id="{3C1FBD69-EDDB-4129-B5D9-AB83034965BC}" type="datetimeFigureOut">
               <a:rPr lang="en-US" smtClean="0"/>
-              <a:t>7/1/2019</a:t>
+              <a:t>7/4/2019</a:t>
             </a:fld>
             <a:endParaRPr lang="en-US"/>
           </a:p>
@@ -2671,7 +3108,7 @@
           <a:p>
             <a:fld id="{3C1FBD69-EDDB-4129-B5D9-AB83034965BC}" type="datetimeFigureOut">
               <a:rPr lang="en-US" smtClean="0"/>
-              <a:t>7/1/2019</a:t>
+              <a:t>7/4/2019</a:t>
             </a:fld>
             <a:endParaRPr lang="en-US"/>
           </a:p>
@@ -2912,7 +3349,7 @@
           <a:p>
             <a:fld id="{3C1FBD69-EDDB-4129-B5D9-AB83034965BC}" type="datetimeFigureOut">
               <a:rPr lang="en-US" smtClean="0"/>
-              <a:t>7/1/2019</a:t>
+              <a:t>7/4/2019</a:t>
             </a:fld>
             <a:endParaRPr lang="en-US"/>
           </a:p>
@@ -3489,6 +3926,18 @@
             <a:endParaRPr lang="en-US" dirty="0"/>
           </a:p>
           <a:p>
+            <a:r>
+              <a:rPr lang="en-US" dirty="0" err="1"/>
+              <a:t>Individuele</a:t>
+            </a:r>
+            <a:r>
+              <a:rPr lang="en-US" dirty="0"/>
+              <a:t> scores per </a:t>
+            </a:r>
+            <a:r>
+              <a:rPr lang="en-US" dirty="0" err="1"/>
+              <a:t>actie</a:t>
+            </a:r>
             <a:endParaRPr lang="en-US" dirty="0"/>
           </a:p>
         </p:txBody>
@@ -3867,17 +4316,239 @@
               <a:t> in meters </a:t>
             </a:r>
             <a:r>
-              <a:rPr lang="en-US"/>
+              <a:rPr lang="en-US" dirty="0" err="1"/>
               <a:t>gebruikt</a:t>
             </a:r>
             <a:endParaRPr lang="en-US" dirty="0"/>
           </a:p>
         </p:txBody>
       </p:sp>
+      <p:pic>
+        <p:nvPicPr>
+          <p:cNvPr id="4" name="Picture 3">
+            <a:extLst>
+              <a:ext uri="{FF2B5EF4-FFF2-40B4-BE49-F238E27FC236}">
+                <a16:creationId xmlns:a16="http://schemas.microsoft.com/office/drawing/2014/main" id="{AD23779D-2A37-4BD4-9AD3-24E0FBDAB561}"/>
+              </a:ext>
+            </a:extLst>
+          </p:cNvPr>
+          <p:cNvPicPr>
+            <a:picLocks noChangeAspect="1"/>
+          </p:cNvPicPr>
+          <p:nvPr/>
+        </p:nvPicPr>
+        <p:blipFill>
+          <a:blip r:embed="rId3"/>
+          <a:stretch>
+            <a:fillRect/>
+          </a:stretch>
+        </p:blipFill>
+        <p:spPr>
+          <a:xfrm>
+            <a:off x="0" y="3160590"/>
+            <a:ext cx="5667376" cy="3151310"/>
+          </a:xfrm>
+          <a:prstGeom prst="rect">
+            <a:avLst/>
+          </a:prstGeom>
+        </p:spPr>
+      </p:pic>
+      <p:pic>
+        <p:nvPicPr>
+          <p:cNvPr id="5" name="Picture 4">
+            <a:extLst>
+              <a:ext uri="{FF2B5EF4-FFF2-40B4-BE49-F238E27FC236}">
+                <a16:creationId xmlns:a16="http://schemas.microsoft.com/office/drawing/2014/main" id="{85E45031-A689-4530-BDB0-1F37AE2A38E9}"/>
+              </a:ext>
+            </a:extLst>
+          </p:cNvPr>
+          <p:cNvPicPr>
+            <a:picLocks noChangeAspect="1"/>
+          </p:cNvPicPr>
+          <p:nvPr/>
+        </p:nvPicPr>
+        <p:blipFill>
+          <a:blip r:embed="rId4"/>
+          <a:stretch>
+            <a:fillRect/>
+          </a:stretch>
+        </p:blipFill>
+        <p:spPr>
+          <a:xfrm>
+            <a:off x="6019800" y="3657601"/>
+            <a:ext cx="5781675" cy="2733674"/>
+          </a:xfrm>
+          <a:prstGeom prst="rect">
+            <a:avLst/>
+          </a:prstGeom>
+        </p:spPr>
+      </p:pic>
     </p:spTree>
     <p:extLst>
       <p:ext uri="{BB962C8B-B14F-4D97-AF65-F5344CB8AC3E}">
         <p14:creationId xmlns:p14="http://schemas.microsoft.com/office/powerpoint/2010/main" val="2123558022"/>
+      </p:ext>
+    </p:extLst>
+  </p:cSld>
+  <p:clrMapOvr>
+    <a:masterClrMapping/>
+  </p:clrMapOvr>
+</p:sld>
+</file>
+
+<file path=ppt/slides/slide5.xml><?xml version="1.0" encoding="utf-8"?>
+<p:sld xmlns:a="http://schemas.openxmlformats.org/drawingml/2006/main" xmlns:r="http://schemas.openxmlformats.org/officeDocument/2006/relationships" xmlns:p="http://schemas.openxmlformats.org/presentationml/2006/main">
+  <p:cSld>
+    <p:spTree>
+      <p:nvGrpSpPr>
+        <p:cNvPr id="1" name=""/>
+        <p:cNvGrpSpPr/>
+        <p:nvPr/>
+      </p:nvGrpSpPr>
+      <p:grpSpPr>
+        <a:xfrm>
+          <a:off x="0" y="0"/>
+          <a:ext cx="0" cy="0"/>
+          <a:chOff x="0" y="0"/>
+          <a:chExt cx="0" cy="0"/>
+        </a:xfrm>
+      </p:grpSpPr>
+      <p:sp>
+        <p:nvSpPr>
+          <p:cNvPr id="2" name="Title 1">
+            <a:extLst>
+              <a:ext uri="{FF2B5EF4-FFF2-40B4-BE49-F238E27FC236}">
+                <a16:creationId xmlns:a16="http://schemas.microsoft.com/office/drawing/2014/main" id="{99D60D62-0CC8-4008-BAF5-88B8627385EA}"/>
+              </a:ext>
+            </a:extLst>
+          </p:cNvPr>
+          <p:cNvSpPr>
+            <a:spLocks noGrp="1"/>
+          </p:cNvSpPr>
+          <p:nvPr>
+            <p:ph type="title"/>
+          </p:nvPr>
+        </p:nvSpPr>
+        <p:spPr/>
+        <p:txBody>
+          <a:bodyPr/>
+          <a:lstStyle/>
+          <a:p>
+            <a:endParaRPr lang="en-US" dirty="0"/>
+          </a:p>
+        </p:txBody>
+      </p:sp>
+      <p:pic>
+        <p:nvPicPr>
+          <p:cNvPr id="9" name="Picture 8">
+            <a:extLst>
+              <a:ext uri="{FF2B5EF4-FFF2-40B4-BE49-F238E27FC236}">
+                <a16:creationId xmlns:a16="http://schemas.microsoft.com/office/drawing/2014/main" id="{22FDD6FD-BF34-4665-A830-5EB2CAF2A7EB}"/>
+              </a:ext>
+            </a:extLst>
+          </p:cNvPr>
+          <p:cNvPicPr>
+            <a:picLocks noChangeAspect="1"/>
+          </p:cNvPicPr>
+          <p:nvPr/>
+        </p:nvPicPr>
+        <p:blipFill>
+          <a:blip r:embed="rId2">
+            <a:extLst>
+              <a:ext uri="{28A0092B-C50C-407E-A947-70E740481C1C}">
+                <a14:useLocalDpi xmlns:a14="http://schemas.microsoft.com/office/drawing/2010/main" val="0"/>
+              </a:ext>
+            </a:extLst>
+          </a:blip>
+          <a:stretch>
+            <a:fillRect/>
+          </a:stretch>
+        </p:blipFill>
+        <p:spPr>
+          <a:xfrm>
+            <a:off x="7086586" y="0"/>
+            <a:ext cx="5105414" cy="4011086"/>
+          </a:xfrm>
+          <a:prstGeom prst="rect">
+            <a:avLst/>
+          </a:prstGeom>
+        </p:spPr>
+      </p:pic>
+      <p:pic>
+        <p:nvPicPr>
+          <p:cNvPr id="11" name="Picture 10">
+            <a:extLst>
+              <a:ext uri="{FF2B5EF4-FFF2-40B4-BE49-F238E27FC236}">
+                <a16:creationId xmlns:a16="http://schemas.microsoft.com/office/drawing/2014/main" id="{9307B0FF-8631-4F11-A193-5971C4E9C81A}"/>
+              </a:ext>
+            </a:extLst>
+          </p:cNvPr>
+          <p:cNvPicPr>
+            <a:picLocks noChangeAspect="1"/>
+          </p:cNvPicPr>
+          <p:nvPr/>
+        </p:nvPicPr>
+        <p:blipFill>
+          <a:blip r:embed="rId3">
+            <a:extLst>
+              <a:ext uri="{28A0092B-C50C-407E-A947-70E740481C1C}">
+                <a14:useLocalDpi xmlns:a14="http://schemas.microsoft.com/office/drawing/2010/main" val="0"/>
+              </a:ext>
+            </a:extLst>
+          </a:blip>
+          <a:stretch>
+            <a:fillRect/>
+          </a:stretch>
+        </p:blipFill>
+        <p:spPr>
+          <a:xfrm>
+            <a:off x="0" y="3247054"/>
+            <a:ext cx="4366540" cy="3610946"/>
+          </a:xfrm>
+          <a:prstGeom prst="rect">
+            <a:avLst/>
+          </a:prstGeom>
+        </p:spPr>
+      </p:pic>
+      <p:pic>
+        <p:nvPicPr>
+          <p:cNvPr id="16" name="Content Placeholder 15">
+            <a:extLst>
+              <a:ext uri="{FF2B5EF4-FFF2-40B4-BE49-F238E27FC236}">
+                <a16:creationId xmlns:a16="http://schemas.microsoft.com/office/drawing/2014/main" id="{D41ACAEA-7514-47BA-BA30-ABD6657BE4AB}"/>
+              </a:ext>
+            </a:extLst>
+          </p:cNvPr>
+          <p:cNvPicPr>
+            <a:picLocks noGrp="1" noChangeAspect="1"/>
+          </p:cNvPicPr>
+          <p:nvPr>
+            <p:ph idx="1"/>
+          </p:nvPr>
+        </p:nvPicPr>
+        <p:blipFill>
+          <a:blip r:embed="rId4">
+            <a:extLst>
+              <a:ext uri="{28A0092B-C50C-407E-A947-70E740481C1C}">
+                <a14:useLocalDpi xmlns:a14="http://schemas.microsoft.com/office/drawing/2010/main" val="0"/>
+              </a:ext>
+            </a:extLst>
+          </a:blip>
+          <a:stretch>
+            <a:fillRect/>
+          </a:stretch>
+        </p:blipFill>
+        <p:spPr>
+          <a:xfrm>
+            <a:off x="0" y="-22802"/>
+            <a:ext cx="5167672" cy="3388908"/>
+          </a:xfrm>
+        </p:spPr>
+      </p:pic>
+    </p:spTree>
+    <p:extLst>
+      <p:ext uri="{BB962C8B-B14F-4D97-AF65-F5344CB8AC3E}">
+        <p14:creationId xmlns:p14="http://schemas.microsoft.com/office/powerpoint/2010/main" val="2116665220"/>
       </p:ext>
     </p:extLst>
   </p:cSld>
@@ -4180,4 +4851,299 @@
     </a:ext>
   </a:extLst>
 </a:theme>
+</file>
+
+<file path=ppt/theme/theme2.xml><?xml version="1.0" encoding="utf-8"?>
+<a:theme xmlns:a="http://schemas.openxmlformats.org/drawingml/2006/main" name="Office Theme">
+  <a:themeElements>
+    <a:clrScheme name="Office">
+      <a:dk1>
+        <a:sysClr val="windowText" lastClr="000000"/>
+      </a:dk1>
+      <a:lt1>
+        <a:sysClr val="window" lastClr="FFFFFF"/>
+      </a:lt1>
+      <a:dk2>
+        <a:srgbClr val="44546A"/>
+      </a:dk2>
+      <a:lt2>
+        <a:srgbClr val="E7E6E6"/>
+      </a:lt2>
+      <a:accent1>
+        <a:srgbClr val="4472C4"/>
+      </a:accent1>
+      <a:accent2>
+        <a:srgbClr val="ED7D31"/>
+      </a:accent2>
+      <a:accent3>
+        <a:srgbClr val="A5A5A5"/>
+      </a:accent3>
+      <a:accent4>
+        <a:srgbClr val="FFC000"/>
+      </a:accent4>
+      <a:accent5>
+        <a:srgbClr val="5B9BD5"/>
+      </a:accent5>
+      <a:accent6>
+        <a:srgbClr val="70AD47"/>
+      </a:accent6>
+      <a:hlink>
+        <a:srgbClr val="0563C1"/>
+      </a:hlink>
+      <a:folHlink>
+        <a:srgbClr val="954F72"/>
+      </a:folHlink>
+    </a:clrScheme>
+    <a:fontScheme name="Office">
+      <a:majorFont>
+        <a:latin typeface="Calibri Light" panose="020F0302020204030204"/>
+        <a:ea typeface=""/>
+        <a:cs typeface=""/>
+        <a:font script="Jpan" typeface="游ゴシック Light"/>
+        <a:font script="Hang" typeface="맑은 고딕"/>
+        <a:font script="Hans" typeface="等线 Light"/>
+        <a:font script="Hant" typeface="新細明體"/>
+        <a:font script="Arab" typeface="Times New Roman"/>
+        <a:font script="Hebr" typeface="Times New Roman"/>
+        <a:font script="Thai" typeface="Angsana New"/>
+        <a:font script="Ethi" typeface="Nyala"/>
+        <a:font script="Beng" typeface="Vrinda"/>
+        <a:font script="Gujr" typeface="Shruti"/>
+        <a:font script="Khmr" typeface="MoolBoran"/>
+        <a:font script="Knda" typeface="Tunga"/>
+        <a:font script="Guru" typeface="Raavi"/>
+        <a:font script="Cans" typeface="Euphemia"/>
+        <a:font script="Cher" typeface="Plantagenet Cherokee"/>
+        <a:font script="Yiii" typeface="Microsoft Yi Baiti"/>
+        <a:font script="Tibt" typeface="Microsoft Himalaya"/>
+        <a:font script="Thaa" typeface="MV Boli"/>
+        <a:font script="Deva" typeface="Mangal"/>
+        <a:font script="Telu" typeface="Gautami"/>
+        <a:font script="Taml" typeface="Latha"/>
+        <a:font script="Syrc" typeface="Estrangelo Edessa"/>
+        <a:font script="Orya" typeface="Kalinga"/>
+        <a:font script="Mlym" typeface="Kartika"/>
+        <a:font script="Laoo" typeface="DokChampa"/>
+        <a:font script="Sinh" typeface="Iskoola Pota"/>
+        <a:font script="Mong" typeface="Mongolian Baiti"/>
+        <a:font script="Viet" typeface="Times New Roman"/>
+        <a:font script="Uigh" typeface="Microsoft Uighur"/>
+        <a:font script="Geor" typeface="Sylfaen"/>
+        <a:font script="Armn" typeface="Arial"/>
+        <a:font script="Bugi" typeface="Leelawadee UI"/>
+        <a:font script="Bopo" typeface="Microsoft JhengHei"/>
+        <a:font script="Java" typeface="Javanese Text"/>
+        <a:font script="Lisu" typeface="Segoe UI"/>
+        <a:font script="Mymr" typeface="Myanmar Text"/>
+        <a:font script="Nkoo" typeface="Ebrima"/>
+        <a:font script="Olck" typeface="Nirmala UI"/>
+        <a:font script="Osma" typeface="Ebrima"/>
+        <a:font script="Phag" typeface="Phagspa"/>
+        <a:font script="Syrn" typeface="Estrangelo Edessa"/>
+        <a:font script="Syrj" typeface="Estrangelo Edessa"/>
+        <a:font script="Syre" typeface="Estrangelo Edessa"/>
+        <a:font script="Sora" typeface="Nirmala UI"/>
+        <a:font script="Tale" typeface="Microsoft Tai Le"/>
+        <a:font script="Talu" typeface="Microsoft New Tai Lue"/>
+        <a:font script="Tfng" typeface="Ebrima"/>
+      </a:majorFont>
+      <a:minorFont>
+        <a:latin typeface="Calibri" panose="020F0502020204030204"/>
+        <a:ea typeface=""/>
+        <a:cs typeface=""/>
+        <a:font script="Jpan" typeface="游ゴシック"/>
+        <a:font script="Hang" typeface="맑은 고딕"/>
+        <a:font script="Hans" typeface="等线"/>
+        <a:font script="Hant" typeface="新細明體"/>
+        <a:font script="Arab" typeface="Arial"/>
+        <a:font script="Hebr" typeface="Arial"/>
+        <a:font script="Thai" typeface="Cordia New"/>
+        <a:font script="Ethi" typeface="Nyala"/>
+        <a:font script="Beng" typeface="Vrinda"/>
+        <a:font script="Gujr" typeface="Shruti"/>
+        <a:font script="Khmr" typeface="DaunPenh"/>
+        <a:font script="Knda" typeface="Tunga"/>
+        <a:font script="Guru" typeface="Raavi"/>
+        <a:font script="Cans" typeface="Euphemia"/>
+        <a:font script="Cher" typeface="Plantagenet Cherokee"/>
+        <a:font script="Yiii" typeface="Microsoft Yi Baiti"/>
+        <a:font script="Tibt" typeface="Microsoft Himalaya"/>
+        <a:font script="Thaa" typeface="MV Boli"/>
+        <a:font script="Deva" typeface="Mangal"/>
+        <a:font script="Telu" typeface="Gautami"/>
+        <a:font script="Taml" typeface="Latha"/>
+        <a:font script="Syrc" typeface="Estrangelo Edessa"/>
+        <a:font script="Orya" typeface="Kalinga"/>
+        <a:font script="Mlym" typeface="Kartika"/>
+        <a:font script="Laoo" typeface="DokChampa"/>
+        <a:font script="Sinh" typeface="Iskoola Pota"/>
+        <a:font script="Mong" typeface="Mongolian Baiti"/>
+        <a:font script="Viet" typeface="Arial"/>
+        <a:font script="Uigh" typeface="Microsoft Uighur"/>
+        <a:font script="Geor" typeface="Sylfaen"/>
+        <a:font script="Armn" typeface="Arial"/>
+        <a:font script="Bugi" typeface="Leelawadee UI"/>
+        <a:font script="Bopo" typeface="Microsoft JhengHei"/>
+        <a:font script="Java" typeface="Javanese Text"/>
+        <a:font script="Lisu" typeface="Segoe UI"/>
+        <a:font script="Mymr" typeface="Myanmar Text"/>
+        <a:font script="Nkoo" typeface="Ebrima"/>
+        <a:font script="Olck" typeface="Nirmala UI"/>
+        <a:font script="Osma" typeface="Ebrima"/>
+        <a:font script="Phag" typeface="Phagspa"/>
+        <a:font script="Syrn" typeface="Estrangelo Edessa"/>
+        <a:font script="Syrj" typeface="Estrangelo Edessa"/>
+        <a:font script="Syre" typeface="Estrangelo Edessa"/>
+        <a:font script="Sora" typeface="Nirmala UI"/>
+        <a:font script="Tale" typeface="Microsoft Tai Le"/>
+        <a:font script="Talu" typeface="Microsoft New Tai Lue"/>
+        <a:font script="Tfng" typeface="Ebrima"/>
+      </a:minorFont>
+    </a:fontScheme>
+    <a:fmtScheme name="Office">
+      <a:fillStyleLst>
+        <a:solidFill>
+          <a:schemeClr val="phClr"/>
+        </a:solidFill>
+        <a:gradFill rotWithShape="1">
+          <a:gsLst>
+            <a:gs pos="0">
+              <a:schemeClr val="phClr">
+                <a:lumMod val="110000"/>
+                <a:satMod val="105000"/>
+                <a:tint val="67000"/>
+              </a:schemeClr>
+            </a:gs>
+            <a:gs pos="50000">
+              <a:schemeClr val="phClr">
+                <a:lumMod val="105000"/>
+                <a:satMod val="103000"/>
+                <a:tint val="73000"/>
+              </a:schemeClr>
+            </a:gs>
+            <a:gs pos="100000">
+              <a:schemeClr val="phClr">
+                <a:lumMod val="105000"/>
+                <a:satMod val="109000"/>
+                <a:tint val="81000"/>
+              </a:schemeClr>
+            </a:gs>
+          </a:gsLst>
+          <a:lin ang="5400000" scaled="0"/>
+        </a:gradFill>
+        <a:gradFill rotWithShape="1">
+          <a:gsLst>
+            <a:gs pos="0">
+              <a:schemeClr val="phClr">
+                <a:satMod val="103000"/>
+                <a:lumMod val="102000"/>
+                <a:tint val="94000"/>
+              </a:schemeClr>
+            </a:gs>
+            <a:gs pos="50000">
+              <a:schemeClr val="phClr">
+                <a:satMod val="110000"/>
+                <a:lumMod val="100000"/>
+                <a:shade val="100000"/>
+              </a:schemeClr>
+            </a:gs>
+            <a:gs pos="100000">
+              <a:schemeClr val="phClr">
+                <a:lumMod val="99000"/>
+                <a:satMod val="120000"/>
+                <a:shade val="78000"/>
+              </a:schemeClr>
+            </a:gs>
+          </a:gsLst>
+          <a:lin ang="5400000" scaled="0"/>
+        </a:gradFill>
+      </a:fillStyleLst>
+      <a:lnStyleLst>
+        <a:ln w="6350" cap="flat" cmpd="sng" algn="ctr">
+          <a:solidFill>
+            <a:schemeClr val="phClr"/>
+          </a:solidFill>
+          <a:prstDash val="solid"/>
+          <a:miter lim="800000"/>
+        </a:ln>
+        <a:ln w="12700" cap="flat" cmpd="sng" algn="ctr">
+          <a:solidFill>
+            <a:schemeClr val="phClr"/>
+          </a:solidFill>
+          <a:prstDash val="solid"/>
+          <a:miter lim="800000"/>
+        </a:ln>
+        <a:ln w="19050" cap="flat" cmpd="sng" algn="ctr">
+          <a:solidFill>
+            <a:schemeClr val="phClr"/>
+          </a:solidFill>
+          <a:prstDash val="solid"/>
+          <a:miter lim="800000"/>
+        </a:ln>
+      </a:lnStyleLst>
+      <a:effectStyleLst>
+        <a:effectStyle>
+          <a:effectLst/>
+        </a:effectStyle>
+        <a:effectStyle>
+          <a:effectLst/>
+        </a:effectStyle>
+        <a:effectStyle>
+          <a:effectLst>
+            <a:outerShdw blurRad="57150" dist="19050" dir="5400000" algn="ctr" rotWithShape="0">
+              <a:srgbClr val="000000">
+                <a:alpha val="63000"/>
+              </a:srgbClr>
+            </a:outerShdw>
+          </a:effectLst>
+        </a:effectStyle>
+      </a:effectStyleLst>
+      <a:bgFillStyleLst>
+        <a:solidFill>
+          <a:schemeClr val="phClr"/>
+        </a:solidFill>
+        <a:solidFill>
+          <a:schemeClr val="phClr">
+            <a:tint val="95000"/>
+            <a:satMod val="170000"/>
+          </a:schemeClr>
+        </a:solidFill>
+        <a:gradFill rotWithShape="1">
+          <a:gsLst>
+            <a:gs pos="0">
+              <a:schemeClr val="phClr">
+                <a:tint val="93000"/>
+                <a:satMod val="150000"/>
+                <a:shade val="98000"/>
+                <a:lumMod val="102000"/>
+              </a:schemeClr>
+            </a:gs>
+            <a:gs pos="50000">
+              <a:schemeClr val="phClr">
+                <a:tint val="98000"/>
+                <a:satMod val="130000"/>
+                <a:shade val="90000"/>
+                <a:lumMod val="103000"/>
+              </a:schemeClr>
+            </a:gs>
+            <a:gs pos="100000">
+              <a:schemeClr val="phClr">
+                <a:shade val="63000"/>
+                <a:satMod val="120000"/>
+              </a:schemeClr>
+            </a:gs>
+          </a:gsLst>
+          <a:lin ang="5400000" scaled="0"/>
+        </a:gradFill>
+      </a:bgFillStyleLst>
+    </a:fmtScheme>
+  </a:themeElements>
+  <a:objectDefaults/>
+  <a:extraClrSchemeLst/>
+  <a:extLst>
+    <a:ext uri="{05A4C25C-085E-4340-85A3-A5531E510DB2}">
+      <thm15:themeFamily xmlns:thm15="http://schemas.microsoft.com/office/thememl/2012/main" name="Office Theme" id="{62F939B6-93AF-4DB8-9C6B-D6C7DFDC589F}" vid="{4A3C46E8-61CC-4603-A589-7422A47A8E4A}"/>
+    </a:ext>
+  </a:extLst>
+</a:theme>
 </file>
--- a/Semester II/Masterproef/presentatie/masterproef.pptx
+++ b/Semester II/Masterproef/presentatie/masterproef.pptx
@@ -201,7 +201,7 @@
           <a:p>
             <a:fld id="{9680C15C-8183-49BA-AFE4-46F597A70BBD}" type="datetimeFigureOut">
               <a:rPr lang="en-US" smtClean="0"/>
-              <a:t>7/4/2019</a:t>
+              <a:t>7/5/2019</a:t>
             </a:fld>
             <a:endParaRPr lang="en-US"/>
           </a:p>
@@ -699,7 +699,7 @@
           <a:p>
             <a:fld id="{3C1FBD69-EDDB-4129-B5D9-AB83034965BC}" type="datetimeFigureOut">
               <a:rPr lang="en-US" smtClean="0"/>
-              <a:t>7/4/2019</a:t>
+              <a:t>7/5/2019</a:t>
             </a:fld>
             <a:endParaRPr lang="en-US"/>
           </a:p>
@@ -897,7 +897,7 @@
           <a:p>
             <a:fld id="{3C1FBD69-EDDB-4129-B5D9-AB83034965BC}" type="datetimeFigureOut">
               <a:rPr lang="en-US" smtClean="0"/>
-              <a:t>7/4/2019</a:t>
+              <a:t>7/5/2019</a:t>
             </a:fld>
             <a:endParaRPr lang="en-US"/>
           </a:p>
@@ -1105,7 +1105,7 @@
           <a:p>
             <a:fld id="{3C1FBD69-EDDB-4129-B5D9-AB83034965BC}" type="datetimeFigureOut">
               <a:rPr lang="en-US" smtClean="0"/>
-              <a:t>7/4/2019</a:t>
+              <a:t>7/5/2019</a:t>
             </a:fld>
             <a:endParaRPr lang="en-US"/>
           </a:p>
@@ -1303,7 +1303,7 @@
           <a:p>
             <a:fld id="{3C1FBD69-EDDB-4129-B5D9-AB83034965BC}" type="datetimeFigureOut">
               <a:rPr lang="en-US" smtClean="0"/>
-              <a:t>7/4/2019</a:t>
+              <a:t>7/5/2019</a:t>
             </a:fld>
             <a:endParaRPr lang="en-US"/>
           </a:p>
@@ -1578,7 +1578,7 @@
           <a:p>
             <a:fld id="{3C1FBD69-EDDB-4129-B5D9-AB83034965BC}" type="datetimeFigureOut">
               <a:rPr lang="en-US" smtClean="0"/>
-              <a:t>7/4/2019</a:t>
+              <a:t>7/5/2019</a:t>
             </a:fld>
             <a:endParaRPr lang="en-US"/>
           </a:p>
@@ -1843,7 +1843,7 @@
           <a:p>
             <a:fld id="{3C1FBD69-EDDB-4129-B5D9-AB83034965BC}" type="datetimeFigureOut">
               <a:rPr lang="en-US" smtClean="0"/>
-              <a:t>7/4/2019</a:t>
+              <a:t>7/5/2019</a:t>
             </a:fld>
             <a:endParaRPr lang="en-US"/>
           </a:p>
@@ -2255,7 +2255,7 @@
           <a:p>
             <a:fld id="{3C1FBD69-EDDB-4129-B5D9-AB83034965BC}" type="datetimeFigureOut">
               <a:rPr lang="en-US" smtClean="0"/>
-              <a:t>7/4/2019</a:t>
+              <a:t>7/5/2019</a:t>
             </a:fld>
             <a:endParaRPr lang="en-US"/>
           </a:p>
@@ -2396,7 +2396,7 @@
           <a:p>
             <a:fld id="{3C1FBD69-EDDB-4129-B5D9-AB83034965BC}" type="datetimeFigureOut">
               <a:rPr lang="en-US" smtClean="0"/>
-              <a:t>7/4/2019</a:t>
+              <a:t>7/5/2019</a:t>
             </a:fld>
             <a:endParaRPr lang="en-US"/>
           </a:p>
@@ -2509,7 +2509,7 @@
           <a:p>
             <a:fld id="{3C1FBD69-EDDB-4129-B5D9-AB83034965BC}" type="datetimeFigureOut">
               <a:rPr lang="en-US" smtClean="0"/>
-              <a:t>7/4/2019</a:t>
+              <a:t>7/5/2019</a:t>
             </a:fld>
             <a:endParaRPr lang="en-US"/>
           </a:p>
@@ -2820,7 +2820,7 @@
           <a:p>
             <a:fld id="{3C1FBD69-EDDB-4129-B5D9-AB83034965BC}" type="datetimeFigureOut">
               <a:rPr lang="en-US" smtClean="0"/>
-              <a:t>7/4/2019</a:t>
+              <a:t>7/5/2019</a:t>
             </a:fld>
             <a:endParaRPr lang="en-US"/>
           </a:p>
@@ -3108,7 +3108,7 @@
           <a:p>
             <a:fld id="{3C1FBD69-EDDB-4129-B5D9-AB83034965BC}" type="datetimeFigureOut">
               <a:rPr lang="en-US" smtClean="0"/>
-              <a:t>7/4/2019</a:t>
+              <a:t>7/5/2019</a:t>
             </a:fld>
             <a:endParaRPr lang="en-US"/>
           </a:p>
@@ -3349,7 +3349,7 @@
           <a:p>
             <a:fld id="{3C1FBD69-EDDB-4129-B5D9-AB83034965BC}" type="datetimeFigureOut">
               <a:rPr lang="en-US" smtClean="0"/>
-              <a:t>7/4/2019</a:t>
+              <a:t>7/5/2019</a:t>
             </a:fld>
             <a:endParaRPr lang="en-US"/>
           </a:p>
@@ -4440,17 +4440,19 @@
       </p:sp>
       <p:pic>
         <p:nvPicPr>
-          <p:cNvPr id="9" name="Picture 8">
-            <a:extLst>
-              <a:ext uri="{FF2B5EF4-FFF2-40B4-BE49-F238E27FC236}">
-                <a16:creationId xmlns:a16="http://schemas.microsoft.com/office/drawing/2014/main" id="{22FDD6FD-BF34-4665-A830-5EB2CAF2A7EB}"/>
+          <p:cNvPr id="6" name="Content Placeholder 5">
+            <a:extLst>
+              <a:ext uri="{FF2B5EF4-FFF2-40B4-BE49-F238E27FC236}">
+                <a16:creationId xmlns:a16="http://schemas.microsoft.com/office/drawing/2014/main" id="{5EB14236-C8E5-4B6A-89C5-8E8EB950B750}"/>
               </a:ext>
             </a:extLst>
           </p:cNvPr>
           <p:cNvPicPr>
-            <a:picLocks noChangeAspect="1"/>
+            <a:picLocks noGrp="1" noChangeAspect="1"/>
           </p:cNvPicPr>
-          <p:nvPr/>
+          <p:nvPr>
+            <p:ph idx="1"/>
+          </p:nvPr>
         </p:nvPicPr>
         <p:blipFill>
           <a:blip r:embed="rId2">
@@ -4466,8 +4468,41 @@
         </p:blipFill>
         <p:spPr>
           <a:xfrm>
-            <a:off x="7086586" y="0"/>
-            <a:ext cx="5105414" cy="4011086"/>
+            <a:off x="0" y="0"/>
+            <a:ext cx="4138628" cy="3103972"/>
+          </a:xfrm>
+        </p:spPr>
+      </p:pic>
+      <p:pic>
+        <p:nvPicPr>
+          <p:cNvPr id="8" name="Picture 7">
+            <a:extLst>
+              <a:ext uri="{FF2B5EF4-FFF2-40B4-BE49-F238E27FC236}">
+                <a16:creationId xmlns:a16="http://schemas.microsoft.com/office/drawing/2014/main" id="{A3ECC48D-4958-4535-AF70-68996A75F3BA}"/>
+              </a:ext>
+            </a:extLst>
+          </p:cNvPr>
+          <p:cNvPicPr>
+            <a:picLocks noChangeAspect="1"/>
+          </p:cNvPicPr>
+          <p:nvPr/>
+        </p:nvPicPr>
+        <p:blipFill>
+          <a:blip r:embed="rId3">
+            <a:extLst>
+              <a:ext uri="{28A0092B-C50C-407E-A947-70E740481C1C}">
+                <a14:useLocalDpi xmlns:a14="http://schemas.microsoft.com/office/drawing/2010/main" val="0"/>
+              </a:ext>
+            </a:extLst>
+          </a:blip>
+          <a:stretch>
+            <a:fillRect/>
+          </a:stretch>
+        </p:blipFill>
+        <p:spPr>
+          <a:xfrm>
+            <a:off x="5940710" y="6324"/>
+            <a:ext cx="6967772" cy="3422676"/>
           </a:xfrm>
           <a:prstGeom prst="rect">
             <a:avLst/>
@@ -4476,10 +4511,10 @@
       </p:pic>
       <p:pic>
         <p:nvPicPr>
-          <p:cNvPr id="11" name="Picture 10">
-            <a:extLst>
-              <a:ext uri="{FF2B5EF4-FFF2-40B4-BE49-F238E27FC236}">
-                <a16:creationId xmlns:a16="http://schemas.microsoft.com/office/drawing/2014/main" id="{9307B0FF-8631-4F11-A193-5971C4E9C81A}"/>
+          <p:cNvPr id="12" name="Picture 11">
+            <a:extLst>
+              <a:ext uri="{FF2B5EF4-FFF2-40B4-BE49-F238E27FC236}">
+                <a16:creationId xmlns:a16="http://schemas.microsoft.com/office/drawing/2014/main" id="{3ED21197-9362-4612-9FD7-C6EC606863F0}"/>
               </a:ext>
             </a:extLst>
           </p:cNvPr>
@@ -4489,7 +4524,7 @@
           <p:nvPr/>
         </p:nvPicPr>
         <p:blipFill>
-          <a:blip r:embed="rId3">
+          <a:blip r:embed="rId4">
             <a:extLst>
               <a:ext uri="{28A0092B-C50C-407E-A947-70E740481C1C}">
                 <a14:useLocalDpi xmlns:a14="http://schemas.microsoft.com/office/drawing/2010/main" val="0"/>
@@ -4502,47 +4537,12 @@
         </p:blipFill>
         <p:spPr>
           <a:xfrm>
-            <a:off x="0" y="3247054"/>
-            <a:ext cx="4366540" cy="3610946"/>
+            <a:off x="5940710" y="3429000"/>
+            <a:ext cx="6677464" cy="3280072"/>
           </a:xfrm>
           <a:prstGeom prst="rect">
             <a:avLst/>
           </a:prstGeom>
-        </p:spPr>
-      </p:pic>
-      <p:pic>
-        <p:nvPicPr>
-          <p:cNvPr id="16" name="Content Placeholder 15">
-            <a:extLst>
-              <a:ext uri="{FF2B5EF4-FFF2-40B4-BE49-F238E27FC236}">
-                <a16:creationId xmlns:a16="http://schemas.microsoft.com/office/drawing/2014/main" id="{D41ACAEA-7514-47BA-BA30-ABD6657BE4AB}"/>
-              </a:ext>
-            </a:extLst>
-          </p:cNvPr>
-          <p:cNvPicPr>
-            <a:picLocks noGrp="1" noChangeAspect="1"/>
-          </p:cNvPicPr>
-          <p:nvPr>
-            <p:ph idx="1"/>
-          </p:nvPr>
-        </p:nvPicPr>
-        <p:blipFill>
-          <a:blip r:embed="rId4">
-            <a:extLst>
-              <a:ext uri="{28A0092B-C50C-407E-A947-70E740481C1C}">
-                <a14:useLocalDpi xmlns:a14="http://schemas.microsoft.com/office/drawing/2010/main" val="0"/>
-              </a:ext>
-            </a:extLst>
-          </a:blip>
-          <a:stretch>
-            <a:fillRect/>
-          </a:stretch>
-        </p:blipFill>
-        <p:spPr>
-          <a:xfrm>
-            <a:off x="0" y="-22802"/>
-            <a:ext cx="5167672" cy="3388908"/>
-          </a:xfrm>
         </p:spPr>
       </p:pic>
     </p:spTree>

--- a/Semester II/Masterproef/presentatie/masterproef.pptx
+++ b/Semester II/Masterproef/presentatie/masterproef.pptx
@@ -5,7 +5,7 @@
     <p:sldMasterId id="2147483648" r:id="rId1"/>
   </p:sldMasterIdLst>
   <p:notesMasterIdLst>
-    <p:notesMasterId r:id="rId7"/>
+    <p:notesMasterId r:id="rId13"/>
   </p:notesMasterIdLst>
   <p:sldIdLst>
     <p:sldId id="256" r:id="rId2"/>
@@ -13,6 +13,12 @@
     <p:sldId id="258" r:id="rId4"/>
     <p:sldId id="259" r:id="rId5"/>
     <p:sldId id="260" r:id="rId6"/>
+    <p:sldId id="261" r:id="rId7"/>
+    <p:sldId id="262" r:id="rId8"/>
+    <p:sldId id="263" r:id="rId9"/>
+    <p:sldId id="267" r:id="rId10"/>
+    <p:sldId id="264" r:id="rId11"/>
+    <p:sldId id="265" r:id="rId12"/>
   </p:sldIdLst>
   <p:sldSz cx="12192000" cy="6858000"/>
   <p:notesSz cx="6858000" cy="9144000"/>
@@ -201,7 +207,7 @@
           <a:p>
             <a:fld id="{9680C15C-8183-49BA-AFE4-46F597A70BBD}" type="datetimeFigureOut">
               <a:rPr lang="en-US" smtClean="0"/>
-              <a:t>7/5/2019</a:t>
+              <a:t>7/15/2019</a:t>
             </a:fld>
             <a:endParaRPr lang="en-US"/>
           </a:p>
@@ -699,7 +705,7 @@
           <a:p>
             <a:fld id="{3C1FBD69-EDDB-4129-B5D9-AB83034965BC}" type="datetimeFigureOut">
               <a:rPr lang="en-US" smtClean="0"/>
-              <a:t>7/5/2019</a:t>
+              <a:t>7/15/2019</a:t>
             </a:fld>
             <a:endParaRPr lang="en-US"/>
           </a:p>
@@ -897,7 +903,7 @@
           <a:p>
             <a:fld id="{3C1FBD69-EDDB-4129-B5D9-AB83034965BC}" type="datetimeFigureOut">
               <a:rPr lang="en-US" smtClean="0"/>
-              <a:t>7/5/2019</a:t>
+              <a:t>7/15/2019</a:t>
             </a:fld>
             <a:endParaRPr lang="en-US"/>
           </a:p>
@@ -1105,7 +1111,7 @@
           <a:p>
             <a:fld id="{3C1FBD69-EDDB-4129-B5D9-AB83034965BC}" type="datetimeFigureOut">
               <a:rPr lang="en-US" smtClean="0"/>
-              <a:t>7/5/2019</a:t>
+              <a:t>7/15/2019</a:t>
             </a:fld>
             <a:endParaRPr lang="en-US"/>
           </a:p>
@@ -1303,7 +1309,7 @@
           <a:p>
             <a:fld id="{3C1FBD69-EDDB-4129-B5D9-AB83034965BC}" type="datetimeFigureOut">
               <a:rPr lang="en-US" smtClean="0"/>
-              <a:t>7/5/2019</a:t>
+              <a:t>7/15/2019</a:t>
             </a:fld>
             <a:endParaRPr lang="en-US"/>
           </a:p>
@@ -1578,7 +1584,7 @@
           <a:p>
             <a:fld id="{3C1FBD69-EDDB-4129-B5D9-AB83034965BC}" type="datetimeFigureOut">
               <a:rPr lang="en-US" smtClean="0"/>
-              <a:t>7/5/2019</a:t>
+              <a:t>7/15/2019</a:t>
             </a:fld>
             <a:endParaRPr lang="en-US"/>
           </a:p>
@@ -1843,7 +1849,7 @@
           <a:p>
             <a:fld id="{3C1FBD69-EDDB-4129-B5D9-AB83034965BC}" type="datetimeFigureOut">
               <a:rPr lang="en-US" smtClean="0"/>
-              <a:t>7/5/2019</a:t>
+              <a:t>7/15/2019</a:t>
             </a:fld>
             <a:endParaRPr lang="en-US"/>
           </a:p>
@@ -2255,7 +2261,7 @@
           <a:p>
             <a:fld id="{3C1FBD69-EDDB-4129-B5D9-AB83034965BC}" type="datetimeFigureOut">
               <a:rPr lang="en-US" smtClean="0"/>
-              <a:t>7/5/2019</a:t>
+              <a:t>7/15/2019</a:t>
             </a:fld>
             <a:endParaRPr lang="en-US"/>
           </a:p>
@@ -2396,7 +2402,7 @@
           <a:p>
             <a:fld id="{3C1FBD69-EDDB-4129-B5D9-AB83034965BC}" type="datetimeFigureOut">
               <a:rPr lang="en-US" smtClean="0"/>
-              <a:t>7/5/2019</a:t>
+              <a:t>7/15/2019</a:t>
             </a:fld>
             <a:endParaRPr lang="en-US"/>
           </a:p>
@@ -2509,7 +2515,7 @@
           <a:p>
             <a:fld id="{3C1FBD69-EDDB-4129-B5D9-AB83034965BC}" type="datetimeFigureOut">
               <a:rPr lang="en-US" smtClean="0"/>
-              <a:t>7/5/2019</a:t>
+              <a:t>7/15/2019</a:t>
             </a:fld>
             <a:endParaRPr lang="en-US"/>
           </a:p>
@@ -2820,7 +2826,7 @@
           <a:p>
             <a:fld id="{3C1FBD69-EDDB-4129-B5D9-AB83034965BC}" type="datetimeFigureOut">
               <a:rPr lang="en-US" smtClean="0"/>
-              <a:t>7/5/2019</a:t>
+              <a:t>7/15/2019</a:t>
             </a:fld>
             <a:endParaRPr lang="en-US"/>
           </a:p>
@@ -3108,7 +3114,7 @@
           <a:p>
             <a:fld id="{3C1FBD69-EDDB-4129-B5D9-AB83034965BC}" type="datetimeFigureOut">
               <a:rPr lang="en-US" smtClean="0"/>
-              <a:t>7/5/2019</a:t>
+              <a:t>7/15/2019</a:t>
             </a:fld>
             <a:endParaRPr lang="en-US"/>
           </a:p>
@@ -3349,7 +3355,7 @@
           <a:p>
             <a:fld id="{3C1FBD69-EDDB-4129-B5D9-AB83034965BC}" type="datetimeFigureOut">
               <a:rPr lang="en-US" smtClean="0"/>
-              <a:t>7/5/2019</a:t>
+              <a:t>7/15/2019</a:t>
             </a:fld>
             <a:endParaRPr lang="en-US"/>
           </a:p>
@@ -3833,6 +3839,264 @@
 </p:sld>
 </file>
 
+<file path=ppt/slides/slide10.xml><?xml version="1.0" encoding="utf-8"?>
+<p:sld xmlns:a="http://schemas.openxmlformats.org/drawingml/2006/main" xmlns:r="http://schemas.openxmlformats.org/officeDocument/2006/relationships" xmlns:p="http://schemas.openxmlformats.org/presentationml/2006/main">
+  <p:cSld>
+    <p:spTree>
+      <p:nvGrpSpPr>
+        <p:cNvPr id="1" name=""/>
+        <p:cNvGrpSpPr/>
+        <p:nvPr/>
+      </p:nvGrpSpPr>
+      <p:grpSpPr>
+        <a:xfrm>
+          <a:off x="0" y="0"/>
+          <a:ext cx="0" cy="0"/>
+          <a:chOff x="0" y="0"/>
+          <a:chExt cx="0" cy="0"/>
+        </a:xfrm>
+      </p:grpSpPr>
+      <p:sp>
+        <p:nvSpPr>
+          <p:cNvPr id="2" name="Title 1">
+            <a:extLst>
+              <a:ext uri="{FF2B5EF4-FFF2-40B4-BE49-F238E27FC236}">
+                <a16:creationId xmlns:a16="http://schemas.microsoft.com/office/drawing/2014/main" id="{303603F7-F8E7-4884-AFE6-1B7C410336D0}"/>
+              </a:ext>
+            </a:extLst>
+          </p:cNvPr>
+          <p:cNvSpPr>
+            <a:spLocks noGrp="1"/>
+          </p:cNvSpPr>
+          <p:nvPr>
+            <p:ph type="title"/>
+          </p:nvPr>
+        </p:nvSpPr>
+        <p:spPr/>
+        <p:txBody>
+          <a:bodyPr>
+            <a:normAutofit/>
+          </a:bodyPr>
+          <a:lstStyle/>
+          <a:p>
+            <a:r>
+              <a:rPr lang="en-US" sz="1100" dirty="0" err="1"/>
+              <a:t>Resultaten</a:t>
+            </a:r>
+            <a:endParaRPr lang="en-US" sz="1100" dirty="0"/>
+          </a:p>
+        </p:txBody>
+      </p:sp>
+      <p:pic>
+        <p:nvPicPr>
+          <p:cNvPr id="11" name="Content Placeholder 10" descr="A picture containing screenshot&#10;&#10;Description automatically generated">
+            <a:extLst>
+              <a:ext uri="{FF2B5EF4-FFF2-40B4-BE49-F238E27FC236}">
+                <a16:creationId xmlns:a16="http://schemas.microsoft.com/office/drawing/2014/main" id="{C68CB3E7-4470-422D-899B-484B4AB47526}"/>
+              </a:ext>
+            </a:extLst>
+          </p:cNvPr>
+          <p:cNvPicPr>
+            <a:picLocks noGrp="1" noChangeAspect="1"/>
+          </p:cNvPicPr>
+          <p:nvPr>
+            <p:ph idx="1"/>
+          </p:nvPr>
+        </p:nvPicPr>
+        <p:blipFill>
+          <a:blip r:embed="rId2">
+            <a:extLst>
+              <a:ext uri="{28A0092B-C50C-407E-A947-70E740481C1C}">
+                <a14:useLocalDpi xmlns:a14="http://schemas.microsoft.com/office/drawing/2010/main" val="0"/>
+              </a:ext>
+            </a:extLst>
+          </a:blip>
+          <a:stretch>
+            <a:fillRect/>
+          </a:stretch>
+        </p:blipFill>
+        <p:spPr>
+          <a:xfrm>
+            <a:off x="-1012873" y="-38664"/>
+            <a:ext cx="13546111" cy="6935327"/>
+          </a:xfrm>
+        </p:spPr>
+      </p:pic>
+      <p:pic>
+        <p:nvPicPr>
+          <p:cNvPr id="13" name="Picture 12" descr="A close up of a map&#10;&#10;Description automatically generated">
+            <a:extLst>
+              <a:ext uri="{FF2B5EF4-FFF2-40B4-BE49-F238E27FC236}">
+                <a16:creationId xmlns:a16="http://schemas.microsoft.com/office/drawing/2014/main" id="{080A9F97-607A-4B68-A416-0B502385F444}"/>
+              </a:ext>
+            </a:extLst>
+          </p:cNvPr>
+          <p:cNvPicPr>
+            <a:picLocks noChangeAspect="1"/>
+          </p:cNvPicPr>
+          <p:nvPr/>
+        </p:nvPicPr>
+        <p:blipFill>
+          <a:blip r:embed="rId3">
+            <a:extLst>
+              <a:ext uri="{28A0092B-C50C-407E-A947-70E740481C1C}">
+                <a14:useLocalDpi xmlns:a14="http://schemas.microsoft.com/office/drawing/2010/main" val="0"/>
+              </a:ext>
+            </a:extLst>
+          </a:blip>
+          <a:stretch>
+            <a:fillRect/>
+          </a:stretch>
+        </p:blipFill>
+        <p:spPr>
+          <a:xfrm>
+            <a:off x="5760182" y="3549135"/>
+            <a:ext cx="5861385" cy="3131884"/>
+          </a:xfrm>
+          <a:prstGeom prst="rect">
+            <a:avLst/>
+          </a:prstGeom>
+        </p:spPr>
+      </p:pic>
+    </p:spTree>
+    <p:extLst>
+      <p:ext uri="{BB962C8B-B14F-4D97-AF65-F5344CB8AC3E}">
+        <p14:creationId xmlns:p14="http://schemas.microsoft.com/office/powerpoint/2010/main" val="4155687398"/>
+      </p:ext>
+    </p:extLst>
+  </p:cSld>
+  <p:clrMapOvr>
+    <a:masterClrMapping/>
+  </p:clrMapOvr>
+</p:sld>
+</file>
+
+<file path=ppt/slides/slide11.xml><?xml version="1.0" encoding="utf-8"?>
+<p:sld xmlns:a="http://schemas.openxmlformats.org/drawingml/2006/main" xmlns:r="http://schemas.openxmlformats.org/officeDocument/2006/relationships" xmlns:p="http://schemas.openxmlformats.org/presentationml/2006/main">
+  <p:cSld>
+    <p:spTree>
+      <p:nvGrpSpPr>
+        <p:cNvPr id="1" name=""/>
+        <p:cNvGrpSpPr/>
+        <p:nvPr/>
+      </p:nvGrpSpPr>
+      <p:grpSpPr>
+        <a:xfrm>
+          <a:off x="0" y="0"/>
+          <a:ext cx="0" cy="0"/>
+          <a:chOff x="0" y="0"/>
+          <a:chExt cx="0" cy="0"/>
+        </a:xfrm>
+      </p:grpSpPr>
+      <p:sp>
+        <p:nvSpPr>
+          <p:cNvPr id="2" name="Title 1">
+            <a:extLst>
+              <a:ext uri="{FF2B5EF4-FFF2-40B4-BE49-F238E27FC236}">
+                <a16:creationId xmlns:a16="http://schemas.microsoft.com/office/drawing/2014/main" id="{F4795F2C-F24A-4BCD-82AA-F7BDF003824C}"/>
+              </a:ext>
+            </a:extLst>
+          </p:cNvPr>
+          <p:cNvSpPr>
+            <a:spLocks noGrp="1"/>
+          </p:cNvSpPr>
+          <p:nvPr>
+            <p:ph type="title"/>
+          </p:nvPr>
+        </p:nvSpPr>
+        <p:spPr/>
+        <p:txBody>
+          <a:bodyPr/>
+          <a:lstStyle/>
+          <a:p>
+            <a:endParaRPr lang="en-US"/>
+          </a:p>
+        </p:txBody>
+      </p:sp>
+      <p:pic>
+        <p:nvPicPr>
+          <p:cNvPr id="5" name="Content Placeholder 4" descr="A picture containing screenshot&#10;&#10;Description automatically generated">
+            <a:extLst>
+              <a:ext uri="{FF2B5EF4-FFF2-40B4-BE49-F238E27FC236}">
+                <a16:creationId xmlns:a16="http://schemas.microsoft.com/office/drawing/2014/main" id="{A8BE55AF-F96D-4DCD-B2EF-FDB640463E6C}"/>
+              </a:ext>
+            </a:extLst>
+          </p:cNvPr>
+          <p:cNvPicPr>
+            <a:picLocks noGrp="1" noChangeAspect="1"/>
+          </p:cNvPicPr>
+          <p:nvPr>
+            <p:ph idx="1"/>
+          </p:nvPr>
+        </p:nvPicPr>
+        <p:blipFill>
+          <a:blip r:embed="rId2">
+            <a:extLst>
+              <a:ext uri="{28A0092B-C50C-407E-A947-70E740481C1C}">
+                <a14:useLocalDpi xmlns:a14="http://schemas.microsoft.com/office/drawing/2010/main" val="0"/>
+              </a:ext>
+            </a:extLst>
+          </a:blip>
+          <a:stretch>
+            <a:fillRect/>
+          </a:stretch>
+        </p:blipFill>
+        <p:spPr>
+          <a:xfrm>
+            <a:off x="-1" y="-1"/>
+            <a:ext cx="12969181" cy="6639951"/>
+          </a:xfrm>
+        </p:spPr>
+      </p:pic>
+      <p:pic>
+        <p:nvPicPr>
+          <p:cNvPr id="7" name="Picture 6" descr="A picture containing text, photo&#10;&#10;Description automatically generated">
+            <a:extLst>
+              <a:ext uri="{FF2B5EF4-FFF2-40B4-BE49-F238E27FC236}">
+                <a16:creationId xmlns:a16="http://schemas.microsoft.com/office/drawing/2014/main" id="{BA2E65EF-C64C-407E-9899-E4836C8028F0}"/>
+              </a:ext>
+            </a:extLst>
+          </p:cNvPr>
+          <p:cNvPicPr>
+            <a:picLocks noChangeAspect="1"/>
+          </p:cNvPicPr>
+          <p:nvPr/>
+        </p:nvPicPr>
+        <p:blipFill>
+          <a:blip r:embed="rId3">
+            <a:extLst>
+              <a:ext uri="{28A0092B-C50C-407E-A947-70E740481C1C}">
+                <a14:useLocalDpi xmlns:a14="http://schemas.microsoft.com/office/drawing/2010/main" val="0"/>
+              </a:ext>
+            </a:extLst>
+          </a:blip>
+          <a:stretch>
+            <a:fillRect/>
+          </a:stretch>
+        </p:blipFill>
+        <p:spPr>
+          <a:xfrm>
+            <a:off x="6484589" y="3551678"/>
+            <a:ext cx="6336890" cy="3453398"/>
+          </a:xfrm>
+          <a:prstGeom prst="rect">
+            <a:avLst/>
+          </a:prstGeom>
+        </p:spPr>
+      </p:pic>
+    </p:spTree>
+    <p:extLst>
+      <p:ext uri="{BB962C8B-B14F-4D97-AF65-F5344CB8AC3E}">
+        <p14:creationId xmlns:p14="http://schemas.microsoft.com/office/powerpoint/2010/main" val="1771741636"/>
+      </p:ext>
+    </p:extLst>
+  </p:cSld>
+  <p:clrMapOvr>
+    <a:masterClrMapping/>
+  </p:clrMapOvr>
+</p:sld>
+</file>
+
 <file path=ppt/slides/slide2.xml><?xml version="1.0" encoding="utf-8"?>
 <p:sld xmlns:a="http://schemas.openxmlformats.org/drawingml/2006/main" xmlns:r="http://schemas.openxmlformats.org/officeDocument/2006/relationships" xmlns:p="http://schemas.openxmlformats.org/presentationml/2006/main">
   <p:cSld>
@@ -4549,6 +4813,801 @@
     <p:extLst>
       <p:ext uri="{BB962C8B-B14F-4D97-AF65-F5344CB8AC3E}">
         <p14:creationId xmlns:p14="http://schemas.microsoft.com/office/powerpoint/2010/main" val="2116665220"/>
+      </p:ext>
+    </p:extLst>
+  </p:cSld>
+  <p:clrMapOvr>
+    <a:masterClrMapping/>
+  </p:clrMapOvr>
+</p:sld>
+</file>
+
+<file path=ppt/slides/slide6.xml><?xml version="1.0" encoding="utf-8"?>
+<p:sld xmlns:a="http://schemas.openxmlformats.org/drawingml/2006/main" xmlns:r="http://schemas.openxmlformats.org/officeDocument/2006/relationships" xmlns:p="http://schemas.openxmlformats.org/presentationml/2006/main">
+  <p:cSld>
+    <p:spTree>
+      <p:nvGrpSpPr>
+        <p:cNvPr id="1" name=""/>
+        <p:cNvGrpSpPr/>
+        <p:nvPr/>
+      </p:nvGrpSpPr>
+      <p:grpSpPr>
+        <a:xfrm>
+          <a:off x="0" y="0"/>
+          <a:ext cx="0" cy="0"/>
+          <a:chOff x="0" y="0"/>
+          <a:chExt cx="0" cy="0"/>
+        </a:xfrm>
+      </p:grpSpPr>
+      <p:sp>
+        <p:nvSpPr>
+          <p:cNvPr id="2" name="Title 1">
+            <a:extLst>
+              <a:ext uri="{FF2B5EF4-FFF2-40B4-BE49-F238E27FC236}">
+                <a16:creationId xmlns:a16="http://schemas.microsoft.com/office/drawing/2014/main" id="{C81ED617-E021-4F3B-82A8-F9C7920282ED}"/>
+              </a:ext>
+            </a:extLst>
+          </p:cNvPr>
+          <p:cNvSpPr>
+            <a:spLocks noGrp="1"/>
+          </p:cNvSpPr>
+          <p:nvPr>
+            <p:ph type="title"/>
+          </p:nvPr>
+        </p:nvSpPr>
+        <p:spPr/>
+        <p:txBody>
+          <a:bodyPr/>
+          <a:lstStyle/>
+          <a:p>
+            <a:r>
+              <a:rPr lang="en-US" dirty="0" err="1"/>
+              <a:t>Segmentatie</a:t>
+            </a:r>
+            <a:endParaRPr lang="en-US" dirty="0"/>
+          </a:p>
+        </p:txBody>
+      </p:sp>
+      <mc:AlternateContent xmlns:mc="http://schemas.openxmlformats.org/markup-compatibility/2006">
+        <mc:Choice xmlns:a14="http://schemas.microsoft.com/office/drawing/2010/main" Requires="a14">
+          <p:sp>
+            <p:nvSpPr>
+              <p:cNvPr id="3" name="Content Placeholder 2">
+                <a:extLst>
+                  <a:ext uri="{FF2B5EF4-FFF2-40B4-BE49-F238E27FC236}">
+                    <a16:creationId xmlns:a16="http://schemas.microsoft.com/office/drawing/2014/main" id="{CDE1C529-A0CC-4B06-814A-419798B7DF44}"/>
+                  </a:ext>
+                </a:extLst>
+              </p:cNvPr>
+              <p:cNvSpPr>
+                <a:spLocks noGrp="1"/>
+              </p:cNvSpPr>
+              <p:nvPr>
+                <p:ph idx="1"/>
+              </p:nvPr>
+            </p:nvSpPr>
+            <p:spPr>
+              <a:xfrm>
+                <a:off x="823453" y="1825625"/>
+                <a:ext cx="10515600" cy="4351338"/>
+              </a:xfrm>
+            </p:spPr>
+            <p:txBody>
+              <a:bodyPr/>
+              <a:lstStyle/>
+              <a:p>
+                <a:r>
+                  <a:rPr lang="en-US" dirty="0"/>
+                  <a:t>Kinetische </a:t>
+                </a:r>
+                <a:r>
+                  <a:rPr lang="en-US" dirty="0" err="1"/>
+                  <a:t>Energie</a:t>
+                </a:r>
+                <a:endParaRPr lang="en-US" dirty="0"/>
+              </a:p>
+              <a:p>
+                <a:pPr lvl="1"/>
+                <a14:m>
+                  <m:oMath xmlns:m="http://schemas.openxmlformats.org/officeDocument/2006/math">
+                    <m:sSub>
+                      <m:sSubPr>
+                        <m:ctrlPr>
+                          <a:rPr lang="en-US" i="1">
+                            <a:latin typeface="Cambria Math" panose="02040503050406030204" pitchFamily="18" charset="0"/>
+                          </a:rPr>
+                        </m:ctrlPr>
+                      </m:sSubPr>
+                      <m:e>
+                        <m:r>
+                          <a:rPr lang="en-US" i="1">
+                            <a:latin typeface="Cambria Math" panose="02040503050406030204" pitchFamily="18" charset="0"/>
+                          </a:rPr>
+                          <m:t>𝐸</m:t>
+                        </m:r>
+                      </m:e>
+                      <m:sub>
+                        <m:r>
+                          <a:rPr lang="en-US" i="1">
+                            <a:latin typeface="Cambria Math" panose="02040503050406030204" pitchFamily="18" charset="0"/>
+                          </a:rPr>
+                          <m:t>𝑖</m:t>
+                        </m:r>
+                      </m:sub>
+                    </m:sSub>
+                    <m:r>
+                      <a:rPr lang="en-US" i="1">
+                        <a:latin typeface="Cambria Math" panose="02040503050406030204" pitchFamily="18" charset="0"/>
+                      </a:rPr>
+                      <m:t>=</m:t>
+                    </m:r>
+                    <m:nary>
+                      <m:naryPr>
+                        <m:chr m:val="∑"/>
+                        <m:ctrlPr>
+                          <a:rPr lang="en-US" i="1">
+                            <a:latin typeface="Cambria Math" panose="02040503050406030204" pitchFamily="18" charset="0"/>
+                          </a:rPr>
+                        </m:ctrlPr>
+                      </m:naryPr>
+                      <m:sub>
+                        <m:r>
+                          <m:rPr>
+                            <m:brk m:alnAt="23"/>
+                          </m:rPr>
+                          <a:rPr lang="en-US" i="1">
+                            <a:latin typeface="Cambria Math" panose="02040503050406030204" pitchFamily="18" charset="0"/>
+                          </a:rPr>
+                          <m:t>𝑗</m:t>
+                        </m:r>
+                      </m:sub>
+                      <m:sup>
+                        <m:r>
+                          <a:rPr lang="en-US" i="1">
+                            <a:latin typeface="Cambria Math" panose="02040503050406030204" pitchFamily="18" charset="0"/>
+                          </a:rPr>
+                          <m:t>25</m:t>
+                        </m:r>
+                      </m:sup>
+                      <m:e>
+                        <m:sSub>
+                          <m:sSubPr>
+                            <m:ctrlPr>
+                              <a:rPr lang="en-US" i="1">
+                                <a:latin typeface="Cambria Math" panose="02040503050406030204" pitchFamily="18" charset="0"/>
+                              </a:rPr>
+                            </m:ctrlPr>
+                          </m:sSubPr>
+                          <m:e>
+                            <m:r>
+                              <a:rPr lang="en-US" i="1">
+                                <a:latin typeface="Cambria Math" panose="02040503050406030204" pitchFamily="18" charset="0"/>
+                              </a:rPr>
+                              <m:t>𝑤</m:t>
+                            </m:r>
+                          </m:e>
+                          <m:sub>
+                            <m:r>
+                              <a:rPr lang="en-US" i="1">
+                                <a:latin typeface="Cambria Math" panose="02040503050406030204" pitchFamily="18" charset="0"/>
+                              </a:rPr>
+                              <m:t>𝑗</m:t>
+                            </m:r>
+                          </m:sub>
+                        </m:sSub>
+                        <m:r>
+                          <a:rPr lang="en-US" b="0" i="1" smtClean="0">
+                            <a:latin typeface="Cambria Math" panose="02040503050406030204" pitchFamily="18" charset="0"/>
+                          </a:rPr>
+                          <m:t>(</m:t>
+                        </m:r>
+                        <m:sSubSup>
+                          <m:sSubSupPr>
+                            <m:ctrlPr>
+                              <a:rPr lang="en-US" i="1">
+                                <a:latin typeface="Cambria Math" panose="02040503050406030204" pitchFamily="18" charset="0"/>
+                              </a:rPr>
+                            </m:ctrlPr>
+                          </m:sSubSupPr>
+                          <m:e>
+                            <m:r>
+                              <a:rPr lang="en-US" i="1">
+                                <a:latin typeface="Cambria Math" panose="02040503050406030204" pitchFamily="18" charset="0"/>
+                              </a:rPr>
+                              <m:t>𝑣</m:t>
+                            </m:r>
+                          </m:e>
+                          <m:sub>
+                            <m:r>
+                              <a:rPr lang="en-US" i="1">
+                                <a:latin typeface="Cambria Math" panose="02040503050406030204" pitchFamily="18" charset="0"/>
+                              </a:rPr>
+                              <m:t>𝑗</m:t>
+                            </m:r>
+                          </m:sub>
+                          <m:sup>
+                            <m:r>
+                              <a:rPr lang="en-US" b="0" i="1" smtClean="0">
+                                <a:latin typeface="Cambria Math" panose="02040503050406030204" pitchFamily="18" charset="0"/>
+                              </a:rPr>
+                              <m:t>𝑖</m:t>
+                            </m:r>
+                          </m:sup>
+                        </m:sSubSup>
+                        <m:sSup>
+                          <m:sSupPr>
+                            <m:ctrlPr>
+                              <a:rPr lang="en-US" i="1" smtClean="0">
+                                <a:latin typeface="Cambria Math" panose="02040503050406030204" pitchFamily="18" charset="0"/>
+                              </a:rPr>
+                            </m:ctrlPr>
+                          </m:sSupPr>
+                          <m:e>
+                            <m:r>
+                              <a:rPr lang="en-US" b="0" i="1" smtClean="0">
+                                <a:latin typeface="Cambria Math" panose="02040503050406030204" pitchFamily="18" charset="0"/>
+                              </a:rPr>
+                              <m:t>)</m:t>
+                            </m:r>
+                          </m:e>
+                          <m:sup>
+                            <m:r>
+                              <a:rPr lang="en-US" b="0" i="1" smtClean="0">
+                                <a:latin typeface="Cambria Math" panose="02040503050406030204" pitchFamily="18" charset="0"/>
+                              </a:rPr>
+                              <m:t>2</m:t>
+                            </m:r>
+                          </m:sup>
+                        </m:sSup>
+                      </m:e>
+                    </m:nary>
+                  </m:oMath>
+                </a14:m>
+                <a:endParaRPr lang="en-US" dirty="0"/>
+              </a:p>
+              <a:p>
+                <a:pPr lvl="2"/>
+                <a14:m>
+                  <m:oMath xmlns:m="http://schemas.openxmlformats.org/officeDocument/2006/math">
+                    <m:sSub>
+                      <m:sSubPr>
+                        <m:ctrlPr>
+                          <a:rPr lang="en-US" i="1">
+                            <a:latin typeface="Cambria Math" panose="02040503050406030204" pitchFamily="18" charset="0"/>
+                          </a:rPr>
+                        </m:ctrlPr>
+                      </m:sSubPr>
+                      <m:e>
+                        <m:r>
+                          <a:rPr lang="en-US" i="1">
+                            <a:latin typeface="Cambria Math" panose="02040503050406030204" pitchFamily="18" charset="0"/>
+                          </a:rPr>
+                          <m:t>𝑤</m:t>
+                        </m:r>
+                      </m:e>
+                      <m:sub>
+                        <m:r>
+                          <a:rPr lang="en-US" i="1">
+                            <a:latin typeface="Cambria Math" panose="02040503050406030204" pitchFamily="18" charset="0"/>
+                          </a:rPr>
+                          <m:t>𝑗</m:t>
+                        </m:r>
+                      </m:sub>
+                    </m:sSub>
+                  </m:oMath>
+                </a14:m>
+                <a:r>
+                  <a:rPr lang="en-US" dirty="0"/>
+                  <a:t> wordt </a:t>
+                </a:r>
+                <a:r>
+                  <a:rPr lang="en-US" dirty="0" err="1"/>
+                  <a:t>manueel</a:t>
+                </a:r>
+                <a:r>
+                  <a:rPr lang="en-US" dirty="0"/>
+                  <a:t> </a:t>
+                </a:r>
+                <a:r>
+                  <a:rPr lang="en-US" dirty="0" err="1"/>
+                  <a:t>ingesteld</a:t>
+                </a:r>
+                <a:r>
+                  <a:rPr lang="en-US" dirty="0"/>
+                  <a:t> per joint</a:t>
+                </a:r>
+              </a:p>
+              <a:p>
+                <a:pPr lvl="2"/>
+                <a14:m>
+                  <m:oMath xmlns:m="http://schemas.openxmlformats.org/officeDocument/2006/math">
+                    <m:sSubSup>
+                      <m:sSubSupPr>
+                        <m:ctrlPr>
+                          <a:rPr lang="en-US" i="1">
+                            <a:latin typeface="Cambria Math" panose="02040503050406030204" pitchFamily="18" charset="0"/>
+                          </a:rPr>
+                        </m:ctrlPr>
+                      </m:sSubSupPr>
+                      <m:e>
+                        <m:r>
+                          <a:rPr lang="en-US" i="1">
+                            <a:latin typeface="Cambria Math" panose="02040503050406030204" pitchFamily="18" charset="0"/>
+                          </a:rPr>
+                          <m:t>𝑣</m:t>
+                        </m:r>
+                      </m:e>
+                      <m:sub>
+                        <m:r>
+                          <a:rPr lang="en-US" i="1">
+                            <a:latin typeface="Cambria Math" panose="02040503050406030204" pitchFamily="18" charset="0"/>
+                          </a:rPr>
+                          <m:t>𝑗</m:t>
+                        </m:r>
+                      </m:sub>
+                      <m:sup>
+                        <m:r>
+                          <a:rPr lang="en-US" i="1">
+                            <a:latin typeface="Cambria Math" panose="02040503050406030204" pitchFamily="18" charset="0"/>
+                          </a:rPr>
+                          <m:t>𝑖</m:t>
+                        </m:r>
+                      </m:sup>
+                    </m:sSubSup>
+                    <m:r>
+                      <a:rPr lang="en-US" i="1">
+                        <a:latin typeface="Cambria Math" panose="02040503050406030204" pitchFamily="18" charset="0"/>
+                      </a:rPr>
+                      <m:t>=</m:t>
+                    </m:r>
+                    <m:sSubSup>
+                      <m:sSubSupPr>
+                        <m:ctrlPr>
+                          <a:rPr lang="en-US" i="1">
+                            <a:latin typeface="Cambria Math" panose="02040503050406030204" pitchFamily="18" charset="0"/>
+                          </a:rPr>
+                        </m:ctrlPr>
+                      </m:sSubSupPr>
+                      <m:e>
+                        <m:r>
+                          <a:rPr lang="en-US" i="1">
+                            <a:latin typeface="Cambria Math" panose="02040503050406030204" pitchFamily="18" charset="0"/>
+                          </a:rPr>
+                          <m:t>𝑃</m:t>
+                        </m:r>
+                      </m:e>
+                      <m:sub>
+                        <m:r>
+                          <a:rPr lang="en-US" i="1">
+                            <a:latin typeface="Cambria Math" panose="02040503050406030204" pitchFamily="18" charset="0"/>
+                          </a:rPr>
+                          <m:t>𝑗</m:t>
+                        </m:r>
+                      </m:sub>
+                      <m:sup>
+                        <m:r>
+                          <a:rPr lang="en-US" i="1">
+                            <a:latin typeface="Cambria Math" panose="02040503050406030204" pitchFamily="18" charset="0"/>
+                          </a:rPr>
+                          <m:t>𝑖</m:t>
+                        </m:r>
+                      </m:sup>
+                    </m:sSubSup>
+                    <m:r>
+                      <a:rPr lang="en-US" i="1">
+                        <a:latin typeface="Cambria Math" panose="02040503050406030204" pitchFamily="18" charset="0"/>
+                      </a:rPr>
+                      <m:t>−</m:t>
+                    </m:r>
+                    <m:sSubSup>
+                      <m:sSubSupPr>
+                        <m:ctrlPr>
+                          <a:rPr lang="en-US" i="1">
+                            <a:latin typeface="Cambria Math" panose="02040503050406030204" pitchFamily="18" charset="0"/>
+                          </a:rPr>
+                        </m:ctrlPr>
+                      </m:sSubSupPr>
+                      <m:e>
+                        <m:r>
+                          <a:rPr lang="en-US" i="1">
+                            <a:latin typeface="Cambria Math" panose="02040503050406030204" pitchFamily="18" charset="0"/>
+                          </a:rPr>
+                          <m:t>𝑃</m:t>
+                        </m:r>
+                      </m:e>
+                      <m:sub>
+                        <m:r>
+                          <a:rPr lang="en-US" i="1">
+                            <a:latin typeface="Cambria Math" panose="02040503050406030204" pitchFamily="18" charset="0"/>
+                          </a:rPr>
+                          <m:t>𝑗</m:t>
+                        </m:r>
+                      </m:sub>
+                      <m:sup>
+                        <m:r>
+                          <a:rPr lang="en-US" i="1">
+                            <a:latin typeface="Cambria Math" panose="02040503050406030204" pitchFamily="18" charset="0"/>
+                          </a:rPr>
+                          <m:t>𝑖</m:t>
+                        </m:r>
+                        <m:r>
+                          <a:rPr lang="en-US" i="1">
+                            <a:latin typeface="Cambria Math" panose="02040503050406030204" pitchFamily="18" charset="0"/>
+                          </a:rPr>
+                          <m:t>−1</m:t>
+                        </m:r>
+                      </m:sup>
+                    </m:sSubSup>
+                  </m:oMath>
+                </a14:m>
+                <a:endParaRPr lang="en-US" dirty="0"/>
+              </a:p>
+              <a:p>
+                <a:r>
+                  <a:rPr lang="en-US" dirty="0"/>
+                  <a:t>Threshold </a:t>
+                </a:r>
+                <a14:m>
+                  <m:oMath xmlns:m="http://schemas.openxmlformats.org/officeDocument/2006/math">
+                    <m:sSub>
+                      <m:sSubPr>
+                        <m:ctrlPr>
+                          <a:rPr lang="en-US" i="1">
+                            <a:latin typeface="Cambria Math" panose="02040503050406030204" pitchFamily="18" charset="0"/>
+                          </a:rPr>
+                        </m:ctrlPr>
+                      </m:sSubPr>
+                      <m:e>
+                        <m:r>
+                          <a:rPr lang="en-US" i="1">
+                            <a:latin typeface="Cambria Math" panose="02040503050406030204" pitchFamily="18" charset="0"/>
+                          </a:rPr>
+                          <m:t>𝐸</m:t>
+                        </m:r>
+                      </m:e>
+                      <m:sub>
+                        <m:r>
+                          <a:rPr lang="en-US" b="0" i="1" smtClean="0">
+                            <a:latin typeface="Cambria Math" panose="02040503050406030204" pitchFamily="18" charset="0"/>
+                          </a:rPr>
+                          <m:t>𝑇</m:t>
+                        </m:r>
+                      </m:sub>
+                    </m:sSub>
+                  </m:oMath>
+                </a14:m>
+                <a:endParaRPr lang="en-US" dirty="0"/>
+              </a:p>
+              <a:p>
+                <a:pPr marL="0" indent="0">
+                  <a:buNone/>
+                </a:pPr>
+                <a:endParaRPr lang="en-US" dirty="0"/>
+              </a:p>
+              <a:p>
+                <a:endParaRPr lang="en-US" dirty="0"/>
+              </a:p>
+            </p:txBody>
+          </p:sp>
+        </mc:Choice>
+        <mc:Fallback>
+          <p:sp>
+            <p:nvSpPr>
+              <p:cNvPr id="3" name="Content Placeholder 2">
+                <a:extLst>
+                  <a:ext uri="{FF2B5EF4-FFF2-40B4-BE49-F238E27FC236}">
+                    <a16:creationId xmlns:a16="http://schemas.microsoft.com/office/drawing/2014/main" id="{CDE1C529-A0CC-4B06-814A-419798B7DF44}"/>
+                  </a:ext>
+                </a:extLst>
+              </p:cNvPr>
+              <p:cNvSpPr>
+                <a:spLocks noGrp="1" noRot="1" noChangeAspect="1" noMove="1" noResize="1" noEditPoints="1" noAdjustHandles="1" noChangeArrowheads="1" noChangeShapeType="1" noTextEdit="1"/>
+              </p:cNvSpPr>
+              <p:nvPr>
+                <p:ph idx="1"/>
+              </p:nvPr>
+            </p:nvSpPr>
+            <p:spPr>
+              <a:xfrm>
+                <a:off x="823453" y="1825625"/>
+                <a:ext cx="10515600" cy="4351338"/>
+              </a:xfrm>
+              <a:blipFill>
+                <a:blip r:embed="rId2"/>
+                <a:stretch>
+                  <a:fillRect l="-1043" t="-2241"/>
+                </a:stretch>
+              </a:blipFill>
+            </p:spPr>
+            <p:txBody>
+              <a:bodyPr/>
+              <a:lstStyle/>
+              <a:p>
+                <a:r>
+                  <a:rPr lang="en-US">
+                    <a:noFill/>
+                  </a:rPr>
+                  <a:t> </a:t>
+                </a:r>
+              </a:p>
+            </p:txBody>
+          </p:sp>
+        </mc:Fallback>
+      </mc:AlternateContent>
+    </p:spTree>
+    <p:extLst>
+      <p:ext uri="{BB962C8B-B14F-4D97-AF65-F5344CB8AC3E}">
+        <p14:creationId xmlns:p14="http://schemas.microsoft.com/office/powerpoint/2010/main" val="1099975973"/>
+      </p:ext>
+    </p:extLst>
+  </p:cSld>
+  <p:clrMapOvr>
+    <a:masterClrMapping/>
+  </p:clrMapOvr>
+</p:sld>
+</file>
+
+<file path=ppt/slides/slide7.xml><?xml version="1.0" encoding="utf-8"?>
+<p:sld xmlns:a="http://schemas.openxmlformats.org/drawingml/2006/main" xmlns:r="http://schemas.openxmlformats.org/officeDocument/2006/relationships" xmlns:p="http://schemas.openxmlformats.org/presentationml/2006/main">
+  <p:cSld>
+    <p:spTree>
+      <p:nvGrpSpPr>
+        <p:cNvPr id="1" name=""/>
+        <p:cNvGrpSpPr/>
+        <p:nvPr/>
+      </p:nvGrpSpPr>
+      <p:grpSpPr>
+        <a:xfrm>
+          <a:off x="0" y="0"/>
+          <a:ext cx="0" cy="0"/>
+          <a:chOff x="0" y="0"/>
+          <a:chExt cx="0" cy="0"/>
+        </a:xfrm>
+      </p:grpSpPr>
+      <p:sp>
+        <p:nvSpPr>
+          <p:cNvPr id="2" name="Title 1">
+            <a:extLst>
+              <a:ext uri="{FF2B5EF4-FFF2-40B4-BE49-F238E27FC236}">
+                <a16:creationId xmlns:a16="http://schemas.microsoft.com/office/drawing/2014/main" id="{59594E77-A25A-4DFC-8203-1C24DCEE222A}"/>
+              </a:ext>
+            </a:extLst>
+          </p:cNvPr>
+          <p:cNvSpPr>
+            <a:spLocks noGrp="1"/>
+          </p:cNvSpPr>
+          <p:nvPr>
+            <p:ph type="title"/>
+          </p:nvPr>
+        </p:nvSpPr>
+        <p:spPr/>
+        <p:txBody>
+          <a:bodyPr/>
+          <a:lstStyle/>
+          <a:p>
+            <a:endParaRPr lang="en-US"/>
+          </a:p>
+        </p:txBody>
+      </p:sp>
+      <p:pic>
+        <p:nvPicPr>
+          <p:cNvPr id="5" name="Content Placeholder 4" descr="A screenshot of a cell phone&#10;&#10;Description automatically generated">
+            <a:extLst>
+              <a:ext uri="{FF2B5EF4-FFF2-40B4-BE49-F238E27FC236}">
+                <a16:creationId xmlns:a16="http://schemas.microsoft.com/office/drawing/2014/main" id="{CF5AAEB1-4C4B-48A2-A794-F2B3C70E2768}"/>
+              </a:ext>
+            </a:extLst>
+          </p:cNvPr>
+          <p:cNvPicPr>
+            <a:picLocks noGrp="1" noChangeAspect="1"/>
+          </p:cNvPicPr>
+          <p:nvPr>
+            <p:ph idx="1"/>
+          </p:nvPr>
+        </p:nvPicPr>
+        <p:blipFill>
+          <a:blip r:embed="rId2">
+            <a:extLst>
+              <a:ext uri="{28A0092B-C50C-407E-A947-70E740481C1C}">
+                <a14:useLocalDpi xmlns:a14="http://schemas.microsoft.com/office/drawing/2010/main" val="0"/>
+              </a:ext>
+            </a:extLst>
+          </a:blip>
+          <a:stretch>
+            <a:fillRect/>
+          </a:stretch>
+        </p:blipFill>
+        <p:spPr>
+          <a:xfrm>
+            <a:off x="-186664" y="0"/>
+            <a:ext cx="12565327" cy="6858000"/>
+          </a:xfrm>
+        </p:spPr>
+      </p:pic>
+    </p:spTree>
+    <p:extLst>
+      <p:ext uri="{BB962C8B-B14F-4D97-AF65-F5344CB8AC3E}">
+        <p14:creationId xmlns:p14="http://schemas.microsoft.com/office/powerpoint/2010/main" val="1608735309"/>
+      </p:ext>
+    </p:extLst>
+  </p:cSld>
+  <p:clrMapOvr>
+    <a:masterClrMapping/>
+  </p:clrMapOvr>
+</p:sld>
+</file>
+
+<file path=ppt/slides/slide8.xml><?xml version="1.0" encoding="utf-8"?>
+<p:sld xmlns:a="http://schemas.openxmlformats.org/drawingml/2006/main" xmlns:r="http://schemas.openxmlformats.org/officeDocument/2006/relationships" xmlns:p="http://schemas.openxmlformats.org/presentationml/2006/main">
+  <p:cSld>
+    <p:spTree>
+      <p:nvGrpSpPr>
+        <p:cNvPr id="1" name=""/>
+        <p:cNvGrpSpPr/>
+        <p:nvPr/>
+      </p:nvGrpSpPr>
+      <p:grpSpPr>
+        <a:xfrm>
+          <a:off x="0" y="0"/>
+          <a:ext cx="0" cy="0"/>
+          <a:chOff x="0" y="0"/>
+          <a:chExt cx="0" cy="0"/>
+        </a:xfrm>
+      </p:grpSpPr>
+      <p:sp>
+        <p:nvSpPr>
+          <p:cNvPr id="2" name="Title 1">
+            <a:extLst>
+              <a:ext uri="{FF2B5EF4-FFF2-40B4-BE49-F238E27FC236}">
+                <a16:creationId xmlns:a16="http://schemas.microsoft.com/office/drawing/2014/main" id="{489DA897-5645-4E05-9364-B05698CA8E87}"/>
+              </a:ext>
+            </a:extLst>
+          </p:cNvPr>
+          <p:cNvSpPr>
+            <a:spLocks noGrp="1"/>
+          </p:cNvSpPr>
+          <p:nvPr>
+            <p:ph type="title"/>
+          </p:nvPr>
+        </p:nvSpPr>
+        <p:spPr/>
+        <p:txBody>
+          <a:bodyPr/>
+          <a:lstStyle/>
+          <a:p>
+            <a:endParaRPr lang="en-US"/>
+          </a:p>
+        </p:txBody>
+      </p:sp>
+      <p:pic>
+        <p:nvPicPr>
+          <p:cNvPr id="5" name="Content Placeholder 4" descr="A group of people in a room&#10;&#10;Description automatically generated">
+            <a:extLst>
+              <a:ext uri="{FF2B5EF4-FFF2-40B4-BE49-F238E27FC236}">
+                <a16:creationId xmlns:a16="http://schemas.microsoft.com/office/drawing/2014/main" id="{D01E38E3-A545-41EA-8E03-23C273CD13EF}"/>
+              </a:ext>
+            </a:extLst>
+          </p:cNvPr>
+          <p:cNvPicPr>
+            <a:picLocks noGrp="1" noChangeAspect="1"/>
+          </p:cNvPicPr>
+          <p:nvPr>
+            <p:ph idx="1"/>
+          </p:nvPr>
+        </p:nvPicPr>
+        <p:blipFill>
+          <a:blip r:embed="rId2">
+            <a:extLst>
+              <a:ext uri="{28A0092B-C50C-407E-A947-70E740481C1C}">
+                <a14:useLocalDpi xmlns:a14="http://schemas.microsoft.com/office/drawing/2010/main" val="0"/>
+              </a:ext>
+            </a:extLst>
+          </a:blip>
+          <a:stretch>
+            <a:fillRect/>
+          </a:stretch>
+        </p:blipFill>
+        <p:spPr>
+          <a:xfrm>
+            <a:off x="-407963" y="0"/>
+            <a:ext cx="12705907" cy="6858000"/>
+          </a:xfrm>
+        </p:spPr>
+      </p:pic>
+    </p:spTree>
+    <p:extLst>
+      <p:ext uri="{BB962C8B-B14F-4D97-AF65-F5344CB8AC3E}">
+        <p14:creationId xmlns:p14="http://schemas.microsoft.com/office/powerpoint/2010/main" val="3792863155"/>
+      </p:ext>
+    </p:extLst>
+  </p:cSld>
+  <p:clrMapOvr>
+    <a:masterClrMapping/>
+  </p:clrMapOvr>
+</p:sld>
+</file>
+
+<file path=ppt/slides/slide9.xml><?xml version="1.0" encoding="utf-8"?>
+<p:sld xmlns:a="http://schemas.openxmlformats.org/drawingml/2006/main" xmlns:r="http://schemas.openxmlformats.org/officeDocument/2006/relationships" xmlns:p="http://schemas.openxmlformats.org/presentationml/2006/main">
+  <p:cSld>
+    <p:spTree>
+      <p:nvGrpSpPr>
+        <p:cNvPr id="1" name=""/>
+        <p:cNvGrpSpPr/>
+        <p:nvPr/>
+      </p:nvGrpSpPr>
+      <p:grpSpPr>
+        <a:xfrm>
+          <a:off x="0" y="0"/>
+          <a:ext cx="0" cy="0"/>
+          <a:chOff x="0" y="0"/>
+          <a:chExt cx="0" cy="0"/>
+        </a:xfrm>
+      </p:grpSpPr>
+      <p:sp>
+        <p:nvSpPr>
+          <p:cNvPr id="2" name="Title 1">
+            <a:extLst>
+              <a:ext uri="{FF2B5EF4-FFF2-40B4-BE49-F238E27FC236}">
+                <a16:creationId xmlns:a16="http://schemas.microsoft.com/office/drawing/2014/main" id="{35B1216E-BEC9-42CA-B8AB-876D10466BB9}"/>
+              </a:ext>
+            </a:extLst>
+          </p:cNvPr>
+          <p:cNvSpPr>
+            <a:spLocks noGrp="1"/>
+          </p:cNvSpPr>
+          <p:nvPr>
+            <p:ph type="title"/>
+          </p:nvPr>
+        </p:nvSpPr>
+        <p:spPr/>
+        <p:txBody>
+          <a:bodyPr/>
+          <a:lstStyle/>
+          <a:p>
+            <a:endParaRPr lang="en-US"/>
+          </a:p>
+        </p:txBody>
+      </p:sp>
+      <p:pic>
+        <p:nvPicPr>
+          <p:cNvPr id="9" name="Content Placeholder 8">
+            <a:extLst>
+              <a:ext uri="{FF2B5EF4-FFF2-40B4-BE49-F238E27FC236}">
+                <a16:creationId xmlns:a16="http://schemas.microsoft.com/office/drawing/2014/main" id="{9E1D28B8-2B4D-46D2-AA38-D97D76A8DD4F}"/>
+              </a:ext>
+            </a:extLst>
+          </p:cNvPr>
+          <p:cNvPicPr>
+            <a:picLocks noGrp="1" noChangeAspect="1"/>
+          </p:cNvPicPr>
+          <p:nvPr>
+            <p:ph idx="1"/>
+          </p:nvPr>
+        </p:nvPicPr>
+        <p:blipFill>
+          <a:blip r:embed="rId2">
+            <a:extLst>
+              <a:ext uri="{28A0092B-C50C-407E-A947-70E740481C1C}">
+                <a14:useLocalDpi xmlns:a14="http://schemas.microsoft.com/office/drawing/2010/main" val="0"/>
+              </a:ext>
+            </a:extLst>
+          </a:blip>
+          <a:stretch>
+            <a:fillRect/>
+          </a:stretch>
+        </p:blipFill>
+        <p:spPr>
+          <a:xfrm>
+            <a:off x="0" y="0"/>
+            <a:ext cx="13961293" cy="6858000"/>
+          </a:xfrm>
+        </p:spPr>
+      </p:pic>
+    </p:spTree>
+    <p:extLst>
+      <p:ext uri="{BB962C8B-B14F-4D97-AF65-F5344CB8AC3E}">
+        <p14:creationId xmlns:p14="http://schemas.microsoft.com/office/powerpoint/2010/main" val="1857104330"/>
       </p:ext>
     </p:extLst>
   </p:cSld>
